--- a/arduinoProject.pptx
+++ b/arduinoProject.pptx
@@ -771,7 +771,8 @@
               <a:buNone/>
             </a:pPr>
             <a:r>
-              <a:t/>
+              <a:rPr lang="ko"/>
+              <a:t>   </a:t>
             </a:r>
             <a:endParaRPr/>
           </a:p>
@@ -5451,50 +5452,9 @@
           <a:chExt cx="0" cy="0"/>
         </a:xfrm>
       </p:grpSpPr>
-      <p:sp>
-        <p:nvSpPr>
-          <p:cNvPr id="54" name="Google Shape;54;p13"/>
-          <p:cNvSpPr txBox="1"/>
-          <p:nvPr/>
-        </p:nvSpPr>
-        <p:spPr>
-          <a:xfrm>
-            <a:off x="1970650" y="2367250"/>
-            <a:ext cx="123900" cy="400200"/>
-          </a:xfrm>
-          <a:prstGeom prst="rect">
-            <a:avLst/>
-          </a:prstGeom>
-          <a:noFill/>
-          <a:ln>
-            <a:noFill/>
-          </a:ln>
-        </p:spPr>
-        <p:txBody>
-          <a:bodyPr anchorCtr="0" anchor="t" bIns="91425" lIns="91425" spcFirstLastPara="1" rIns="91425" wrap="square" tIns="91425">
-            <a:spAutoFit/>
-          </a:bodyPr>
-          <a:lstStyle/>
-          <a:p>
-            <a:pPr indent="0" lvl="0" marL="0" rtl="0" algn="l">
-              <a:spcBef>
-                <a:spcPts val="0"/>
-              </a:spcBef>
-              <a:spcAft>
-                <a:spcPts val="0"/>
-              </a:spcAft>
-              <a:buNone/>
-            </a:pPr>
-            <a:r>
-              <a:t/>
-            </a:r>
-            <a:endParaRPr/>
-          </a:p>
-        </p:txBody>
-      </p:sp>
       <p:pic>
         <p:nvPicPr>
-          <p:cNvPr descr="아두이노 5핀 조이스틱 (Joystick) - 메이킹해서 공유하는 송파 메이커 쇼핑몰" id="55" name="Google Shape;55;p13"/>
+          <p:cNvPr id="54" name="Google Shape;54;p13"/>
           <p:cNvPicPr preferRelativeResize="0"/>
           <p:nvPr/>
         </p:nvPicPr>
@@ -5508,8 +5468,8 @@
         </p:blipFill>
         <p:spPr>
           <a:xfrm>
-            <a:off x="3552650" y="0"/>
-            <a:ext cx="1403950" cy="1403950"/>
+            <a:off x="2956307" y="1524000"/>
+            <a:ext cx="5509668" cy="3263301"/>
           </a:xfrm>
           <a:prstGeom prst="rect">
             <a:avLst/>
@@ -5522,76 +5482,7 @@
       </p:pic>
       <p:pic>
         <p:nvPicPr>
-          <p:cNvPr descr="아두이노 5핀 조이스틱 (Joystick) - 메이킹해서 공유하는 송파 메이커 쇼핑몰" id="56" name="Google Shape;56;p13"/>
-          <p:cNvPicPr preferRelativeResize="0"/>
-          <p:nvPr/>
-        </p:nvPicPr>
-        <p:blipFill>
-          <a:blip r:embed="rId3">
-            <a:alphaModFix/>
-          </a:blip>
-          <a:stretch>
-            <a:fillRect/>
-          </a:stretch>
-        </p:blipFill>
-        <p:spPr>
-          <a:xfrm>
-            <a:off x="2094550" y="67675"/>
-            <a:ext cx="1403950" cy="1403950"/>
-          </a:xfrm>
-          <a:prstGeom prst="rect">
-            <a:avLst/>
-          </a:prstGeom>
-          <a:noFill/>
-          <a:ln>
-            <a:noFill/>
-          </a:ln>
-        </p:spPr>
-      </p:pic>
-      <p:sp>
-        <p:nvSpPr>
-          <p:cNvPr id="57" name="Google Shape;57;p13"/>
-          <p:cNvSpPr txBox="1"/>
-          <p:nvPr/>
-        </p:nvSpPr>
-        <p:spPr>
-          <a:xfrm>
-            <a:off x="1660800" y="2032600"/>
-            <a:ext cx="2962200" cy="400200"/>
-          </a:xfrm>
-          <a:prstGeom prst="rect">
-            <a:avLst/>
-          </a:prstGeom>
-          <a:noFill/>
-          <a:ln>
-            <a:noFill/>
-          </a:ln>
-        </p:spPr>
-        <p:txBody>
-          <a:bodyPr anchorCtr="0" anchor="t" bIns="91425" lIns="91425" spcFirstLastPara="1" rIns="91425" wrap="square" tIns="91425">
-            <a:spAutoFit/>
-          </a:bodyPr>
-          <a:lstStyle/>
-          <a:p>
-            <a:pPr indent="0" lvl="0" marL="0" rtl="0" algn="l">
-              <a:spcBef>
-                <a:spcPts val="0"/>
-              </a:spcBef>
-              <a:spcAft>
-                <a:spcPts val="0"/>
-              </a:spcAft>
-              <a:buNone/>
-            </a:pPr>
-            <a:r>
-              <a:t/>
-            </a:r>
-            <a:endParaRPr/>
-          </a:p>
-        </p:txBody>
-      </p:sp>
-      <p:pic>
-        <p:nvPicPr>
-          <p:cNvPr id="58" name="Google Shape;58;p13"/>
+          <p:cNvPr id="55" name="Google Shape;55;p13"/>
           <p:cNvPicPr preferRelativeResize="0"/>
           <p:nvPr/>
         </p:nvPicPr>
@@ -5604,9 +5495,9 @@
           </a:stretch>
         </p:blipFill>
         <p:spPr>
-          <a:xfrm rot="5400000">
-            <a:off x="129150" y="3027350"/>
-            <a:ext cx="1628800" cy="1628800"/>
+          <a:xfrm rot="10800000">
+            <a:off x="7245775" y="3641225"/>
+            <a:ext cx="1152900" cy="1152900"/>
           </a:xfrm>
           <a:prstGeom prst="rect">
             <a:avLst/>
@@ -5617,9 +5508,50 @@
           </a:ln>
         </p:spPr>
       </p:pic>
+      <p:sp>
+        <p:nvSpPr>
+          <p:cNvPr id="56" name="Google Shape;56;p13"/>
+          <p:cNvSpPr txBox="1"/>
+          <p:nvPr/>
+        </p:nvSpPr>
+        <p:spPr>
+          <a:xfrm>
+            <a:off x="1970650" y="2367250"/>
+            <a:ext cx="123900" cy="400200"/>
+          </a:xfrm>
+          <a:prstGeom prst="rect">
+            <a:avLst/>
+          </a:prstGeom>
+          <a:noFill/>
+          <a:ln>
+            <a:noFill/>
+          </a:ln>
+        </p:spPr>
+        <p:txBody>
+          <a:bodyPr anchorCtr="0" anchor="t" bIns="91425" lIns="91425" spcFirstLastPara="1" rIns="91425" wrap="square" tIns="91425">
+            <a:spAutoFit/>
+          </a:bodyPr>
+          <a:lstStyle/>
+          <a:p>
+            <a:pPr indent="0" lvl="0" marL="0" rtl="0" algn="l">
+              <a:spcBef>
+                <a:spcPts val="0"/>
+              </a:spcBef>
+              <a:spcAft>
+                <a:spcPts val="0"/>
+              </a:spcAft>
+              <a:buNone/>
+            </a:pPr>
+            <a:r>
+              <a:t/>
+            </a:r>
+            <a:endParaRPr/>
+          </a:p>
+        </p:txBody>
+      </p:sp>
       <p:pic>
         <p:nvPicPr>
-          <p:cNvPr descr="Blue LED | Exploring Arduino" id="59" name="Google Shape;59;p13"/>
+          <p:cNvPr descr="아두이노 5핀 조이스틱 (Joystick) - 메이킹해서 공유하는 송파 메이커 쇼핑몰" id="57" name="Google Shape;57;p13"/>
           <p:cNvPicPr preferRelativeResize="0"/>
           <p:nvPr/>
         </p:nvPicPr>
@@ -5633,8 +5565,8 @@
         </p:blipFill>
         <p:spPr>
           <a:xfrm>
-            <a:off x="1747563" y="1837650"/>
-            <a:ext cx="1283975" cy="1189700"/>
+            <a:off x="3552650" y="0"/>
+            <a:ext cx="1403950" cy="1403950"/>
           </a:xfrm>
           <a:prstGeom prst="rect">
             <a:avLst/>
@@ -5645,6 +5577,75 @@
           </a:ln>
         </p:spPr>
       </p:pic>
+      <p:pic>
+        <p:nvPicPr>
+          <p:cNvPr descr="아두이노 5핀 조이스틱 (Joystick) - 메이킹해서 공유하는 송파 메이커 쇼핑몰" id="58" name="Google Shape;58;p13"/>
+          <p:cNvPicPr preferRelativeResize="0"/>
+          <p:nvPr/>
+        </p:nvPicPr>
+        <p:blipFill>
+          <a:blip r:embed="rId5">
+            <a:alphaModFix/>
+          </a:blip>
+          <a:stretch>
+            <a:fillRect/>
+          </a:stretch>
+        </p:blipFill>
+        <p:spPr>
+          <a:xfrm>
+            <a:off x="2094550" y="67675"/>
+            <a:ext cx="1403950" cy="1403950"/>
+          </a:xfrm>
+          <a:prstGeom prst="rect">
+            <a:avLst/>
+          </a:prstGeom>
+          <a:noFill/>
+          <a:ln>
+            <a:noFill/>
+          </a:ln>
+        </p:spPr>
+      </p:pic>
+      <p:sp>
+        <p:nvSpPr>
+          <p:cNvPr id="59" name="Google Shape;59;p13"/>
+          <p:cNvSpPr txBox="1"/>
+          <p:nvPr/>
+        </p:nvSpPr>
+        <p:spPr>
+          <a:xfrm>
+            <a:off x="1660800" y="2032600"/>
+            <a:ext cx="2962200" cy="400200"/>
+          </a:xfrm>
+          <a:prstGeom prst="rect">
+            <a:avLst/>
+          </a:prstGeom>
+          <a:noFill/>
+          <a:ln>
+            <a:noFill/>
+          </a:ln>
+        </p:spPr>
+        <p:txBody>
+          <a:bodyPr anchorCtr="0" anchor="t" bIns="91425" lIns="91425" spcFirstLastPara="1" rIns="91425" wrap="square" tIns="91425">
+            <a:spAutoFit/>
+          </a:bodyPr>
+          <a:lstStyle/>
+          <a:p>
+            <a:pPr indent="0" lvl="0" marL="0" rtl="0" algn="l">
+              <a:spcBef>
+                <a:spcPts val="0"/>
+              </a:spcBef>
+              <a:spcAft>
+                <a:spcPts val="0"/>
+              </a:spcAft>
+              <a:buNone/>
+            </a:pPr>
+            <a:r>
+              <a:t/>
+            </a:r>
+            <a:endParaRPr/>
+          </a:p>
+        </p:txBody>
+      </p:sp>
       <p:pic>
         <p:nvPicPr>
           <p:cNvPr id="60" name="Google Shape;60;p13"/>
@@ -5660,9 +5661,9 @@
           </a:stretch>
         </p:blipFill>
         <p:spPr>
-          <a:xfrm>
-            <a:off x="5010750" y="594090"/>
-            <a:ext cx="2162174" cy="877535"/>
+          <a:xfrm rot="5400000">
+            <a:off x="129150" y="3027350"/>
+            <a:ext cx="1628800" cy="1628800"/>
           </a:xfrm>
           <a:prstGeom prst="rect">
             <a:avLst/>
@@ -5675,7 +5676,7 @@
       </p:pic>
       <p:pic>
         <p:nvPicPr>
-          <p:cNvPr id="61" name="Google Shape;61;p13"/>
+          <p:cNvPr descr="Blue LED | Exploring Arduino" id="61" name="Google Shape;61;p13"/>
           <p:cNvPicPr preferRelativeResize="0"/>
           <p:nvPr/>
         </p:nvPicPr>
@@ -5689,8 +5690,8 @@
         </p:blipFill>
         <p:spPr>
           <a:xfrm>
-            <a:off x="2956307" y="1524000"/>
-            <a:ext cx="5509668" cy="3263301"/>
+            <a:off x="1747563" y="1837650"/>
+            <a:ext cx="1283975" cy="1189700"/>
           </a:xfrm>
           <a:prstGeom prst="rect">
             <a:avLst/>
@@ -5701,9 +5702,37 @@
           </a:ln>
         </p:spPr>
       </p:pic>
+      <p:pic>
+        <p:nvPicPr>
+          <p:cNvPr id="62" name="Google Shape;62;p13"/>
+          <p:cNvPicPr preferRelativeResize="0"/>
+          <p:nvPr/>
+        </p:nvPicPr>
+        <p:blipFill>
+          <a:blip r:embed="rId8">
+            <a:alphaModFix/>
+          </a:blip>
+          <a:stretch>
+            <a:fillRect/>
+          </a:stretch>
+        </p:blipFill>
+        <p:spPr>
+          <a:xfrm>
+            <a:off x="5010750" y="594090"/>
+            <a:ext cx="2162174" cy="877535"/>
+          </a:xfrm>
+          <a:prstGeom prst="rect">
+            <a:avLst/>
+          </a:prstGeom>
+          <a:noFill/>
+          <a:ln>
+            <a:noFill/>
+          </a:ln>
+        </p:spPr>
+      </p:pic>
       <p:graphicFrame>
         <p:nvGraphicFramePr>
-          <p:cNvPr id="62" name="Google Shape;62;p13"/>
+          <p:cNvPr id="63" name="Google Shape;63;p13"/>
           <p:cNvGraphicFramePr/>
           <p:nvPr/>
         </p:nvGraphicFramePr>
@@ -5716,7 +5745,7 @@
             <a:tbl>
               <a:tblPr>
                 <a:noFill/>
-                <a:tableStyleId>{3DE3FB31-9801-4FE4-B4BB-B39960290BB9}</a:tableStyleId>
+                <a:tableStyleId>{6AA598CF-89A3-48F4-A124-7F6B486C23A9}</a:tableStyleId>
               </a:tblPr>
               <a:tblGrid>
                 <a:gridCol w="912100"/>
@@ -6124,14 +6153,47 @@
       </p:graphicFrame>
       <p:cxnSp>
         <p:nvCxnSpPr>
-          <p:cNvPr id="63" name="Google Shape;63;p13"/>
+          <p:cNvPr id="64" name="Google Shape;64;p13"/>
           <p:cNvCxnSpPr/>
           <p:nvPr/>
         </p:nvCxnSpPr>
         <p:spPr>
-          <a:xfrm flipH="1" rot="10800000">
-            <a:off x="1363325" y="3703400"/>
-            <a:ext cx="899700" cy="2400"/>
+          <a:xfrm flipH="1">
+            <a:off x="1351025" y="3974575"/>
+            <a:ext cx="12300" cy="1094700"/>
+          </a:xfrm>
+          <a:prstGeom prst="straightConnector1">
+            <a:avLst/>
+          </a:prstGeom>
+          <a:noFill/>
+          <a:ln cap="flat" cmpd="sng" w="38100">
+            <a:solidFill>
+              <a:srgbClr val="FF0000"/>
+            </a:solidFill>
+            <a:prstDash val="solid"/>
+            <a:round/>
+            <a:headEnd len="med" w="med" type="none"/>
+            <a:tailEnd len="med" w="med" type="none"/>
+          </a:ln>
+          <a:effectLst>
+            <a:outerShdw blurRad="57150" rotWithShape="0" algn="bl" dir="5400000" dist="19050">
+              <a:srgbClr val="000000">
+                <a:alpha val="50000"/>
+              </a:srgbClr>
+            </a:outerShdw>
+          </a:effectLst>
+        </p:spPr>
+      </p:cxnSp>
+      <p:cxnSp>
+        <p:nvCxnSpPr>
+          <p:cNvPr id="65" name="Google Shape;65;p13"/>
+          <p:cNvCxnSpPr/>
+          <p:nvPr/>
+        </p:nvCxnSpPr>
+        <p:spPr>
+          <a:xfrm>
+            <a:off x="3731375" y="1010000"/>
+            <a:ext cx="9300" cy="3927900"/>
           </a:xfrm>
           <a:prstGeom prst="straightConnector1">
             <a:avLst/>
@@ -6157,14 +6219,356 @@
       </p:cxnSp>
       <p:cxnSp>
         <p:nvCxnSpPr>
-          <p:cNvPr id="64" name="Google Shape;64;p13"/>
+          <p:cNvPr id="66" name="Google Shape;66;p13"/>
           <p:cNvCxnSpPr/>
           <p:nvPr/>
         </p:nvCxnSpPr>
         <p:spPr>
           <a:xfrm>
-            <a:off x="1363325" y="3974575"/>
-            <a:ext cx="3593100" cy="74700"/>
+            <a:off x="2272500" y="1075450"/>
+            <a:ext cx="9300" cy="3862200"/>
+          </a:xfrm>
+          <a:prstGeom prst="straightConnector1">
+            <a:avLst/>
+          </a:prstGeom>
+          <a:noFill/>
+          <a:ln cap="flat" cmpd="sng" w="38100">
+            <a:solidFill>
+              <a:schemeClr val="dk1"/>
+            </a:solidFill>
+            <a:prstDash val="solid"/>
+            <a:round/>
+            <a:headEnd len="med" w="med" type="none"/>
+            <a:tailEnd len="med" w="med" type="none"/>
+          </a:ln>
+          <a:effectLst>
+            <a:outerShdw blurRad="57150" rotWithShape="0" algn="bl" dir="5400000" dist="19050">
+              <a:srgbClr val="000000">
+                <a:alpha val="50000"/>
+              </a:srgbClr>
+            </a:outerShdw>
+          </a:effectLst>
+        </p:spPr>
+      </p:cxnSp>
+      <p:cxnSp>
+        <p:nvCxnSpPr>
+          <p:cNvPr id="67" name="Google Shape;67;p13"/>
+          <p:cNvCxnSpPr/>
+          <p:nvPr/>
+        </p:nvCxnSpPr>
+        <p:spPr>
+          <a:xfrm>
+            <a:off x="2300550" y="4919050"/>
+            <a:ext cx="2674500" cy="28200"/>
+          </a:xfrm>
+          <a:prstGeom prst="straightConnector1">
+            <a:avLst/>
+          </a:prstGeom>
+          <a:noFill/>
+          <a:ln cap="flat" cmpd="sng" w="38100">
+            <a:solidFill>
+              <a:schemeClr val="dk1"/>
+            </a:solidFill>
+            <a:prstDash val="solid"/>
+            <a:round/>
+            <a:headEnd len="med" w="med" type="none"/>
+            <a:tailEnd len="med" w="med" type="none"/>
+          </a:ln>
+        </p:spPr>
+      </p:cxnSp>
+      <p:cxnSp>
+        <p:nvCxnSpPr>
+          <p:cNvPr id="68" name="Google Shape;68;p13"/>
+          <p:cNvCxnSpPr/>
+          <p:nvPr/>
+        </p:nvCxnSpPr>
+        <p:spPr>
+          <a:xfrm>
+            <a:off x="6667850" y="869725"/>
+            <a:ext cx="2007900" cy="2910600"/>
+          </a:xfrm>
+          <a:prstGeom prst="straightConnector1">
+            <a:avLst/>
+          </a:prstGeom>
+          <a:noFill/>
+          <a:ln cap="flat" cmpd="sng" w="38100">
+            <a:solidFill>
+              <a:schemeClr val="dk1"/>
+            </a:solidFill>
+            <a:prstDash val="solid"/>
+            <a:round/>
+            <a:headEnd len="med" w="med" type="none"/>
+            <a:tailEnd len="med" w="med" type="none"/>
+          </a:ln>
+          <a:effectLst>
+            <a:outerShdw blurRad="57150" rotWithShape="0" algn="bl" dir="5400000" dist="19050">
+              <a:srgbClr val="000000">
+                <a:alpha val="50000"/>
+              </a:srgbClr>
+            </a:outerShdw>
+          </a:effectLst>
+        </p:spPr>
+      </p:cxnSp>
+      <p:cxnSp>
+        <p:nvCxnSpPr>
+          <p:cNvPr id="69" name="Google Shape;69;p13"/>
+          <p:cNvCxnSpPr/>
+          <p:nvPr/>
+        </p:nvCxnSpPr>
+        <p:spPr>
+          <a:xfrm flipH="1" rot="10800000">
+            <a:off x="2904600" y="1898500"/>
+            <a:ext cx="3080700" cy="8700"/>
+          </a:xfrm>
+          <a:prstGeom prst="straightConnector1">
+            <a:avLst/>
+          </a:prstGeom>
+          <a:noFill/>
+          <a:ln cap="flat" cmpd="sng" w="38100">
+            <a:solidFill>
+              <a:srgbClr val="4A86E8"/>
+            </a:solidFill>
+            <a:prstDash val="solid"/>
+            <a:round/>
+            <a:headEnd len="med" w="med" type="none"/>
+            <a:tailEnd len="med" w="med" type="none"/>
+          </a:ln>
+          <a:effectLst>
+            <a:outerShdw blurRad="57150" rotWithShape="0" algn="bl" dir="5400000" dist="19050">
+              <a:srgbClr val="000000">
+                <a:alpha val="50000"/>
+              </a:srgbClr>
+            </a:outerShdw>
+          </a:effectLst>
+        </p:spPr>
+      </p:cxnSp>
+      <p:cxnSp>
+        <p:nvCxnSpPr>
+          <p:cNvPr id="70" name="Google Shape;70;p13"/>
+          <p:cNvCxnSpPr/>
+          <p:nvPr/>
+        </p:nvCxnSpPr>
+        <p:spPr>
+          <a:xfrm>
+            <a:off x="2796350" y="1837650"/>
+            <a:ext cx="9300" cy="3090900"/>
+          </a:xfrm>
+          <a:prstGeom prst="straightConnector1">
+            <a:avLst/>
+          </a:prstGeom>
+          <a:noFill/>
+          <a:ln cap="flat" cmpd="sng" w="38100">
+            <a:solidFill>
+              <a:schemeClr val="dk1"/>
+            </a:solidFill>
+            <a:prstDash val="solid"/>
+            <a:round/>
+            <a:headEnd len="med" w="med" type="none"/>
+            <a:tailEnd len="med" w="med" type="none"/>
+          </a:ln>
+          <a:effectLst>
+            <a:outerShdw blurRad="57150" rotWithShape="0" algn="bl" dir="5400000" dist="19050">
+              <a:srgbClr val="000000">
+                <a:alpha val="50000"/>
+              </a:srgbClr>
+            </a:outerShdw>
+          </a:effectLst>
+        </p:spPr>
+      </p:cxnSp>
+      <p:cxnSp>
+        <p:nvCxnSpPr>
+          <p:cNvPr id="71" name="Google Shape;71;p13"/>
+          <p:cNvCxnSpPr/>
+          <p:nvPr/>
+        </p:nvCxnSpPr>
+        <p:spPr>
+          <a:xfrm>
+            <a:off x="1369625" y="4172875"/>
+            <a:ext cx="4802700" cy="35400"/>
+          </a:xfrm>
+          <a:prstGeom prst="straightConnector1">
+            <a:avLst/>
+          </a:prstGeom>
+          <a:noFill/>
+          <a:ln cap="flat" cmpd="sng" w="38100">
+            <a:solidFill>
+              <a:srgbClr val="00FF00"/>
+            </a:solidFill>
+            <a:prstDash val="solid"/>
+            <a:round/>
+            <a:headEnd len="med" w="med" type="none"/>
+            <a:tailEnd len="med" w="med" type="none"/>
+          </a:ln>
+          <a:effectLst>
+            <a:outerShdw blurRad="57150" rotWithShape="0" algn="bl" dir="5400000" dist="19050">
+              <a:srgbClr val="000000">
+                <a:alpha val="50000"/>
+              </a:srgbClr>
+            </a:outerShdw>
+          </a:effectLst>
+        </p:spPr>
+      </p:cxnSp>
+      <p:cxnSp>
+        <p:nvCxnSpPr>
+          <p:cNvPr id="72" name="Google Shape;72;p13"/>
+          <p:cNvCxnSpPr/>
+          <p:nvPr/>
+        </p:nvCxnSpPr>
+        <p:spPr>
+          <a:xfrm>
+            <a:off x="1369625" y="3564000"/>
+            <a:ext cx="6261600" cy="8400"/>
+          </a:xfrm>
+          <a:prstGeom prst="straightConnector1">
+            <a:avLst/>
+          </a:prstGeom>
+          <a:noFill/>
+          <a:ln cap="flat" cmpd="sng" w="38100">
+            <a:solidFill>
+              <a:srgbClr val="00FF00"/>
+            </a:solidFill>
+            <a:prstDash val="solid"/>
+            <a:round/>
+            <a:headEnd len="med" w="med" type="none"/>
+            <a:tailEnd len="med" w="med" type="none"/>
+          </a:ln>
+          <a:effectLst>
+            <a:outerShdw blurRad="57150" rotWithShape="0" algn="bl" dir="5400000" dist="19050">
+              <a:srgbClr val="000000">
+                <a:alpha val="50000"/>
+              </a:srgbClr>
+            </a:outerShdw>
+          </a:effectLst>
+        </p:spPr>
+      </p:cxnSp>
+      <p:cxnSp>
+        <p:nvCxnSpPr>
+          <p:cNvPr id="73" name="Google Shape;73;p13"/>
+          <p:cNvCxnSpPr/>
+          <p:nvPr/>
+        </p:nvCxnSpPr>
+        <p:spPr>
+          <a:xfrm rot="10800000">
+            <a:off x="4975175" y="4358050"/>
+            <a:ext cx="0" cy="504900"/>
+          </a:xfrm>
+          <a:prstGeom prst="straightConnector1">
+            <a:avLst/>
+          </a:prstGeom>
+          <a:noFill/>
+          <a:ln cap="flat" cmpd="sng" w="38100">
+            <a:solidFill>
+              <a:schemeClr val="dk2"/>
+            </a:solidFill>
+            <a:prstDash val="solid"/>
+            <a:round/>
+            <a:headEnd len="med" w="med" type="none"/>
+            <a:tailEnd len="med" w="med" type="none"/>
+          </a:ln>
+        </p:spPr>
+      </p:cxnSp>
+      <p:cxnSp>
+        <p:nvCxnSpPr>
+          <p:cNvPr id="74" name="Google Shape;74;p13"/>
+          <p:cNvCxnSpPr/>
+          <p:nvPr/>
+        </p:nvCxnSpPr>
+        <p:spPr>
+          <a:xfrm>
+            <a:off x="7584325" y="2618500"/>
+            <a:ext cx="18600" cy="972600"/>
+          </a:xfrm>
+          <a:prstGeom prst="straightConnector1">
+            <a:avLst/>
+          </a:prstGeom>
+          <a:noFill/>
+          <a:ln cap="flat" cmpd="sng" w="38100">
+            <a:solidFill>
+              <a:srgbClr val="00FF00"/>
+            </a:solidFill>
+            <a:prstDash val="solid"/>
+            <a:round/>
+            <a:headEnd len="med" w="med" type="none"/>
+            <a:tailEnd len="med" w="med" type="none"/>
+          </a:ln>
+          <a:effectLst>
+            <a:outerShdw blurRad="57150" rotWithShape="0" algn="bl" dir="5400000" dist="19050">
+              <a:srgbClr val="000000">
+                <a:alpha val="50000"/>
+              </a:srgbClr>
+            </a:outerShdw>
+          </a:effectLst>
+        </p:spPr>
+      </p:cxnSp>
+      <p:cxnSp>
+        <p:nvCxnSpPr>
+          <p:cNvPr id="75" name="Google Shape;75;p13"/>
+          <p:cNvCxnSpPr/>
+          <p:nvPr/>
+        </p:nvCxnSpPr>
+        <p:spPr>
+          <a:xfrm flipH="1">
+            <a:off x="5919575" y="2618500"/>
+            <a:ext cx="1655400" cy="28200"/>
+          </a:xfrm>
+          <a:prstGeom prst="straightConnector1">
+            <a:avLst/>
+          </a:prstGeom>
+          <a:noFill/>
+          <a:ln cap="flat" cmpd="sng" w="38100">
+            <a:solidFill>
+              <a:srgbClr val="00FF00"/>
+            </a:solidFill>
+            <a:prstDash val="solid"/>
+            <a:round/>
+            <a:headEnd len="med" w="med" type="none"/>
+            <a:tailEnd len="med" w="med" type="none"/>
+          </a:ln>
+          <a:effectLst>
+            <a:outerShdw blurRad="57150" rotWithShape="0" algn="bl" dir="5400000" dist="19050">
+              <a:srgbClr val="000000">
+                <a:alpha val="50000"/>
+              </a:srgbClr>
+            </a:outerShdw>
+          </a:effectLst>
+        </p:spPr>
+      </p:cxnSp>
+      <p:cxnSp>
+        <p:nvCxnSpPr>
+          <p:cNvPr id="76" name="Google Shape;76;p13"/>
+          <p:cNvCxnSpPr/>
+          <p:nvPr/>
+        </p:nvCxnSpPr>
+        <p:spPr>
+          <a:xfrm>
+            <a:off x="4975175" y="4339250"/>
+            <a:ext cx="0" cy="617400"/>
+          </a:xfrm>
+          <a:prstGeom prst="straightConnector1">
+            <a:avLst/>
+          </a:prstGeom>
+          <a:noFill/>
+          <a:ln cap="flat" cmpd="sng" w="38100">
+            <a:solidFill>
+              <a:schemeClr val="dk1"/>
+            </a:solidFill>
+            <a:prstDash val="solid"/>
+            <a:round/>
+            <a:headEnd len="med" w="med" type="none"/>
+            <a:tailEnd len="med" w="med" type="none"/>
+          </a:ln>
+        </p:spPr>
+      </p:cxnSp>
+      <p:cxnSp>
+        <p:nvCxnSpPr>
+          <p:cNvPr id="77" name="Google Shape;77;p13"/>
+          <p:cNvCxnSpPr/>
+          <p:nvPr/>
+        </p:nvCxnSpPr>
+        <p:spPr>
+          <a:xfrm>
+            <a:off x="2491150" y="1247600"/>
+            <a:ext cx="5700" cy="2736300"/>
           </a:xfrm>
           <a:prstGeom prst="straightConnector1">
             <a:avLst/>
@@ -6190,14 +6594,843 @@
       </p:cxnSp>
       <p:cxnSp>
         <p:nvCxnSpPr>
-          <p:cNvPr id="65" name="Google Shape;65;p13"/>
+          <p:cNvPr id="78" name="Google Shape;78;p13"/>
+          <p:cNvCxnSpPr>
+            <a:endCxn id="61" idx="2"/>
+          </p:cNvCxnSpPr>
+          <p:nvPr/>
+        </p:nvCxnSpPr>
+        <p:spPr>
+          <a:xfrm flipH="1">
+            <a:off x="2389550" y="2945750"/>
+            <a:ext cx="2595000" cy="81600"/>
+          </a:xfrm>
+          <a:prstGeom prst="straightConnector1">
+            <a:avLst/>
+          </a:prstGeom>
+          <a:noFill/>
+          <a:ln cap="flat" cmpd="sng" w="38100">
+            <a:solidFill>
+              <a:schemeClr val="accent4"/>
+            </a:solidFill>
+            <a:prstDash val="solid"/>
+            <a:round/>
+            <a:headEnd len="med" w="med" type="none"/>
+            <a:tailEnd len="med" w="med" type="none"/>
+          </a:ln>
+          <a:effectLst>
+            <a:outerShdw blurRad="57150" rotWithShape="0" algn="bl" dir="5400000" dist="19050">
+              <a:srgbClr val="000000">
+                <a:alpha val="50000"/>
+              </a:srgbClr>
+            </a:outerShdw>
+          </a:effectLst>
+        </p:spPr>
+      </p:cxnSp>
+      <p:cxnSp>
+        <p:nvCxnSpPr>
+          <p:cNvPr id="79" name="Google Shape;79;p13"/>
           <p:cNvCxnSpPr/>
           <p:nvPr/>
         </p:nvCxnSpPr>
         <p:spPr>
+          <a:xfrm rot="10800000">
+            <a:off x="5975800" y="1870400"/>
+            <a:ext cx="0" cy="495600"/>
+          </a:xfrm>
+          <a:prstGeom prst="straightConnector1">
+            <a:avLst/>
+          </a:prstGeom>
+          <a:noFill/>
+          <a:ln cap="flat" cmpd="sng" w="38100">
+            <a:solidFill>
+              <a:srgbClr val="4A86E8"/>
+            </a:solidFill>
+            <a:prstDash val="solid"/>
+            <a:round/>
+            <a:headEnd len="med" w="med" type="none"/>
+            <a:tailEnd len="med" w="med" type="none"/>
+          </a:ln>
+          <a:effectLst>
+            <a:outerShdw blurRad="57150" rotWithShape="0" algn="bl" dir="5400000" dist="19050">
+              <a:srgbClr val="000000">
+                <a:alpha val="50000"/>
+              </a:srgbClr>
+            </a:outerShdw>
+          </a:effectLst>
+        </p:spPr>
+      </p:cxnSp>
+      <p:cxnSp>
+        <p:nvCxnSpPr>
+          <p:cNvPr id="80" name="Google Shape;80;p13"/>
+          <p:cNvCxnSpPr>
+            <a:stCxn id="61" idx="2"/>
+          </p:cNvCxnSpPr>
+          <p:nvPr/>
+        </p:nvCxnSpPr>
+        <p:spPr>
+          <a:xfrm rot="10800000">
+            <a:off x="2347250" y="1196750"/>
+            <a:ext cx="42300" cy="1830600"/>
+          </a:xfrm>
+          <a:prstGeom prst="straightConnector1">
+            <a:avLst/>
+          </a:prstGeom>
+          <a:noFill/>
+          <a:ln cap="flat" cmpd="sng" w="38100">
+            <a:solidFill>
+              <a:schemeClr val="accent4"/>
+            </a:solidFill>
+            <a:prstDash val="solid"/>
+            <a:round/>
+            <a:headEnd len="med" w="med" type="none"/>
+            <a:tailEnd len="med" w="med" type="none"/>
+          </a:ln>
+          <a:effectLst>
+            <a:outerShdw blurRad="57150" rotWithShape="0" algn="bl" dir="5400000" dist="19050">
+              <a:srgbClr val="000000">
+                <a:alpha val="50000"/>
+              </a:srgbClr>
+            </a:outerShdw>
+          </a:effectLst>
+        </p:spPr>
+      </p:cxnSp>
+      <p:cxnSp>
+        <p:nvCxnSpPr>
+          <p:cNvPr id="81" name="Google Shape;81;p13"/>
+          <p:cNvCxnSpPr/>
+          <p:nvPr/>
+        </p:nvCxnSpPr>
+        <p:spPr>
+          <a:xfrm rot="10800000">
+            <a:off x="3778250" y="1094275"/>
+            <a:ext cx="18600" cy="2132100"/>
+          </a:xfrm>
+          <a:prstGeom prst="straightConnector1">
+            <a:avLst/>
+          </a:prstGeom>
+          <a:noFill/>
+          <a:ln cap="flat" cmpd="sng" w="38100">
+            <a:solidFill>
+              <a:srgbClr val="741B47"/>
+            </a:solidFill>
+            <a:prstDash val="solid"/>
+            <a:round/>
+            <a:headEnd len="med" w="med" type="none"/>
+            <a:tailEnd len="med" w="med" type="none"/>
+          </a:ln>
+          <a:effectLst>
+            <a:outerShdw blurRad="57150" rotWithShape="0" algn="bl" dir="5400000" dist="19050">
+              <a:srgbClr val="000000">
+                <a:alpha val="50000"/>
+              </a:srgbClr>
+            </a:outerShdw>
+          </a:effectLst>
+        </p:spPr>
+      </p:cxnSp>
+      <p:cxnSp>
+        <p:nvCxnSpPr>
+          <p:cNvPr id="82" name="Google Shape;82;p13"/>
+          <p:cNvCxnSpPr/>
+          <p:nvPr/>
+        </p:nvCxnSpPr>
+        <p:spPr>
+          <a:xfrm rot="10800000">
+            <a:off x="6146500" y="1227050"/>
+            <a:ext cx="900" cy="954300"/>
+          </a:xfrm>
+          <a:prstGeom prst="straightConnector1">
+            <a:avLst/>
+          </a:prstGeom>
+          <a:noFill/>
+          <a:ln cap="flat" cmpd="sng" w="38100">
+            <a:solidFill>
+              <a:srgbClr val="00FF96"/>
+            </a:solidFill>
+            <a:prstDash val="solid"/>
+            <a:round/>
+            <a:headEnd len="med" w="med" type="none"/>
+            <a:tailEnd len="med" w="med" type="none"/>
+          </a:ln>
+          <a:effectLst>
+            <a:outerShdw blurRad="57150" rotWithShape="0" algn="bl" dir="5400000" dist="19050">
+              <a:srgbClr val="000000">
+                <a:alpha val="50000"/>
+              </a:srgbClr>
+            </a:outerShdw>
+          </a:effectLst>
+        </p:spPr>
+      </p:cxnSp>
+      <p:cxnSp>
+        <p:nvCxnSpPr>
+          <p:cNvPr id="83" name="Google Shape;83;p13"/>
+          <p:cNvCxnSpPr/>
+          <p:nvPr/>
+        </p:nvCxnSpPr>
+        <p:spPr>
+          <a:xfrm rot="10800000">
+            <a:off x="3843650" y="1131550"/>
+            <a:ext cx="9300" cy="2001300"/>
+          </a:xfrm>
+          <a:prstGeom prst="straightConnector1">
+            <a:avLst/>
+          </a:prstGeom>
+          <a:noFill/>
+          <a:ln cap="flat" cmpd="sng" w="38100">
+            <a:solidFill>
+              <a:srgbClr val="741B47"/>
+            </a:solidFill>
+            <a:prstDash val="solid"/>
+            <a:round/>
+            <a:headEnd len="med" w="med" type="none"/>
+            <a:tailEnd len="med" w="med" type="none"/>
+          </a:ln>
+          <a:effectLst>
+            <a:outerShdw blurRad="57150" rotWithShape="0" algn="bl" dir="5400000" dist="19050">
+              <a:srgbClr val="000000">
+                <a:alpha val="50000"/>
+              </a:srgbClr>
+            </a:outerShdw>
+          </a:effectLst>
+        </p:spPr>
+      </p:cxnSp>
+      <p:cxnSp>
+        <p:nvCxnSpPr>
+          <p:cNvPr id="84" name="Google Shape;84;p13"/>
+          <p:cNvCxnSpPr/>
+          <p:nvPr/>
+        </p:nvCxnSpPr>
+        <p:spPr>
+          <a:xfrm flipH="1">
+            <a:off x="2468975" y="2786850"/>
+            <a:ext cx="2506200" cy="28200"/>
+          </a:xfrm>
+          <a:prstGeom prst="straightConnector1">
+            <a:avLst/>
+          </a:prstGeom>
+          <a:noFill/>
+          <a:ln cap="flat" cmpd="sng" w="38100">
+            <a:solidFill>
+              <a:schemeClr val="accent4"/>
+            </a:solidFill>
+            <a:prstDash val="solid"/>
+            <a:round/>
+            <a:headEnd len="med" w="med" type="none"/>
+            <a:tailEnd len="med" w="med" type="none"/>
+          </a:ln>
+          <a:effectLst>
+            <a:outerShdw blurRad="57150" rotWithShape="0" algn="bl" dir="5400000" dist="19050">
+              <a:srgbClr val="000000">
+                <a:alpha val="50000"/>
+              </a:srgbClr>
+            </a:outerShdw>
+          </a:effectLst>
+        </p:spPr>
+      </p:cxnSp>
+      <p:cxnSp>
+        <p:nvCxnSpPr>
+          <p:cNvPr id="85" name="Google Shape;85;p13"/>
+          <p:cNvCxnSpPr/>
+          <p:nvPr/>
+        </p:nvCxnSpPr>
+        <p:spPr>
+          <a:xfrm flipH="1">
+            <a:off x="3776850" y="3235725"/>
+            <a:ext cx="1152900" cy="15900"/>
+          </a:xfrm>
+          <a:prstGeom prst="straightConnector1">
+            <a:avLst/>
+          </a:prstGeom>
+          <a:noFill/>
+          <a:ln cap="flat" cmpd="sng" w="38100">
+            <a:solidFill>
+              <a:srgbClr val="741B47"/>
+            </a:solidFill>
+            <a:prstDash val="solid"/>
+            <a:round/>
+            <a:headEnd len="med" w="med" type="none"/>
+            <a:tailEnd len="med" w="med" type="none"/>
+          </a:ln>
+          <a:effectLst>
+            <a:outerShdw blurRad="57150" rotWithShape="0" algn="bl" dir="5400000" dist="19050">
+              <a:srgbClr val="000000">
+                <a:alpha val="50000"/>
+              </a:srgbClr>
+            </a:outerShdw>
+          </a:effectLst>
+        </p:spPr>
+      </p:cxnSp>
+      <p:cxnSp>
+        <p:nvCxnSpPr>
+          <p:cNvPr id="86" name="Google Shape;86;p13"/>
+          <p:cNvCxnSpPr/>
+          <p:nvPr/>
+        </p:nvCxnSpPr>
+        <p:spPr>
           <a:xfrm>
-            <a:off x="3731375" y="1010000"/>
-            <a:ext cx="9300" cy="3927900"/>
+            <a:off x="6116100" y="2478225"/>
+            <a:ext cx="13800" cy="1753500"/>
+          </a:xfrm>
+          <a:prstGeom prst="straightConnector1">
+            <a:avLst/>
+          </a:prstGeom>
+          <a:noFill/>
+          <a:ln cap="flat" cmpd="sng" w="38100">
+            <a:solidFill>
+              <a:srgbClr val="00FF00"/>
+            </a:solidFill>
+            <a:prstDash val="solid"/>
+            <a:round/>
+            <a:headEnd len="med" w="med" type="none"/>
+            <a:tailEnd len="med" w="med" type="none"/>
+          </a:ln>
+          <a:effectLst>
+            <a:outerShdw blurRad="57150" rotWithShape="0" algn="bl" dir="5400000" dist="19050">
+              <a:srgbClr val="000000">
+                <a:alpha val="50000"/>
+              </a:srgbClr>
+            </a:outerShdw>
+          </a:effectLst>
+        </p:spPr>
+      </p:cxnSp>
+      <p:cxnSp>
+        <p:nvCxnSpPr>
+          <p:cNvPr id="87" name="Google Shape;87;p13"/>
+          <p:cNvCxnSpPr/>
+          <p:nvPr/>
+        </p:nvCxnSpPr>
+        <p:spPr>
+          <a:xfrm flipH="1">
+            <a:off x="5910400" y="2487575"/>
+            <a:ext cx="224400" cy="18600"/>
+          </a:xfrm>
+          <a:prstGeom prst="straightConnector1">
+            <a:avLst/>
+          </a:prstGeom>
+          <a:noFill/>
+          <a:ln cap="flat" cmpd="sng" w="38100">
+            <a:solidFill>
+              <a:srgbClr val="00FF00"/>
+            </a:solidFill>
+            <a:prstDash val="solid"/>
+            <a:round/>
+            <a:headEnd len="med" w="med" type="none"/>
+            <a:tailEnd len="med" w="med" type="none"/>
+          </a:ln>
+          <a:effectLst>
+            <a:outerShdw blurRad="57150" rotWithShape="0" algn="bl" dir="5400000" dist="19050">
+              <a:srgbClr val="000000">
+                <a:alpha val="50000"/>
+              </a:srgbClr>
+            </a:outerShdw>
+          </a:effectLst>
+        </p:spPr>
+      </p:cxnSp>
+      <p:cxnSp>
+        <p:nvCxnSpPr>
+          <p:cNvPr id="88" name="Google Shape;88;p13"/>
+          <p:cNvCxnSpPr/>
+          <p:nvPr/>
+        </p:nvCxnSpPr>
+        <p:spPr>
+          <a:xfrm flipH="1">
+            <a:off x="3834425" y="3115275"/>
+            <a:ext cx="1152900" cy="15900"/>
+          </a:xfrm>
+          <a:prstGeom prst="straightConnector1">
+            <a:avLst/>
+          </a:prstGeom>
+          <a:noFill/>
+          <a:ln cap="flat" cmpd="sng" w="38100">
+            <a:solidFill>
+              <a:srgbClr val="741B47"/>
+            </a:solidFill>
+            <a:prstDash val="solid"/>
+            <a:round/>
+            <a:headEnd len="med" w="med" type="none"/>
+            <a:tailEnd len="med" w="med" type="none"/>
+          </a:ln>
+          <a:effectLst>
+            <a:outerShdw blurRad="57150" rotWithShape="0" algn="bl" dir="5400000" dist="19050">
+              <a:srgbClr val="000000">
+                <a:alpha val="50000"/>
+              </a:srgbClr>
+            </a:outerShdw>
+          </a:effectLst>
+        </p:spPr>
+      </p:cxnSp>
+      <p:pic>
+        <p:nvPicPr>
+          <p:cNvPr id="89" name="Google Shape;89;p13"/>
+          <p:cNvPicPr preferRelativeResize="0"/>
+          <p:nvPr/>
+        </p:nvPicPr>
+        <p:blipFill>
+          <a:blip r:embed="rId8">
+            <a:alphaModFix/>
+          </a:blip>
+          <a:stretch>
+            <a:fillRect/>
+          </a:stretch>
+        </p:blipFill>
+        <p:spPr>
+          <a:xfrm>
+            <a:off x="6893050" y="263202"/>
+            <a:ext cx="2162174" cy="877535"/>
+          </a:xfrm>
+          <a:prstGeom prst="rect">
+            <a:avLst/>
+          </a:prstGeom>
+          <a:noFill/>
+          <a:ln>
+            <a:noFill/>
+          </a:ln>
+        </p:spPr>
+      </p:pic>
+      <p:cxnSp>
+        <p:nvCxnSpPr>
+          <p:cNvPr id="90" name="Google Shape;90;p13"/>
+          <p:cNvCxnSpPr/>
+          <p:nvPr/>
+        </p:nvCxnSpPr>
+        <p:spPr>
+          <a:xfrm flipH="1">
+            <a:off x="8528874" y="688170"/>
+            <a:ext cx="503700" cy="3900"/>
+          </a:xfrm>
+          <a:prstGeom prst="straightConnector1">
+            <a:avLst/>
+          </a:prstGeom>
+          <a:noFill/>
+          <a:ln cap="flat" cmpd="sng" w="38100">
+            <a:solidFill>
+              <a:srgbClr val="FF0000"/>
+            </a:solidFill>
+            <a:prstDash val="solid"/>
+            <a:round/>
+            <a:headEnd len="med" w="med" type="none"/>
+            <a:tailEnd len="med" w="med" type="none"/>
+          </a:ln>
+          <a:effectLst>
+            <a:outerShdw blurRad="57150" rotWithShape="0" algn="bl" dir="5400000" dist="19050">
+              <a:srgbClr val="000000">
+                <a:alpha val="50000"/>
+              </a:srgbClr>
+            </a:outerShdw>
+          </a:effectLst>
+        </p:spPr>
+      </p:cxnSp>
+      <p:cxnSp>
+        <p:nvCxnSpPr>
+          <p:cNvPr id="91" name="Google Shape;91;p13"/>
+          <p:cNvCxnSpPr/>
+          <p:nvPr/>
+        </p:nvCxnSpPr>
+        <p:spPr>
+          <a:xfrm flipH="1">
+            <a:off x="6184625" y="2156550"/>
+            <a:ext cx="1784700" cy="12600"/>
+          </a:xfrm>
+          <a:prstGeom prst="straightConnector1">
+            <a:avLst/>
+          </a:prstGeom>
+          <a:noFill/>
+          <a:ln cap="flat" cmpd="sng" w="38100">
+            <a:solidFill>
+              <a:srgbClr val="00FF96"/>
+            </a:solidFill>
+            <a:prstDash val="solid"/>
+            <a:round/>
+            <a:headEnd len="med" w="med" type="none"/>
+            <a:tailEnd len="med" w="med" type="none"/>
+          </a:ln>
+          <a:effectLst>
+            <a:outerShdw blurRad="57150" rotWithShape="0" algn="bl" dir="5400000" dist="19050">
+              <a:srgbClr val="000000">
+                <a:alpha val="50000"/>
+              </a:srgbClr>
+            </a:outerShdw>
+          </a:effectLst>
+        </p:spPr>
+      </p:cxnSp>
+      <p:cxnSp>
+        <p:nvCxnSpPr>
+          <p:cNvPr id="92" name="Google Shape;92;p13"/>
+          <p:cNvCxnSpPr/>
+          <p:nvPr/>
+        </p:nvCxnSpPr>
+        <p:spPr>
+          <a:xfrm rot="10800000">
+            <a:off x="7981700" y="2193825"/>
+            <a:ext cx="37200" cy="1239300"/>
+          </a:xfrm>
+          <a:prstGeom prst="straightConnector1">
+            <a:avLst/>
+          </a:prstGeom>
+          <a:noFill/>
+          <a:ln cap="flat" cmpd="sng" w="38100">
+            <a:solidFill>
+              <a:srgbClr val="00FF96"/>
+            </a:solidFill>
+            <a:prstDash val="solid"/>
+            <a:round/>
+            <a:headEnd len="med" w="med" type="none"/>
+            <a:tailEnd len="med" w="med" type="none"/>
+          </a:ln>
+          <a:effectLst>
+            <a:outerShdw blurRad="57150" rotWithShape="0" algn="bl" dir="5400000" dist="19050">
+              <a:srgbClr val="000000">
+                <a:alpha val="50000"/>
+              </a:srgbClr>
+            </a:outerShdw>
+          </a:effectLst>
+        </p:spPr>
+      </p:cxnSp>
+      <p:cxnSp>
+        <p:nvCxnSpPr>
+          <p:cNvPr id="93" name="Google Shape;93;p13"/>
+          <p:cNvCxnSpPr/>
+          <p:nvPr/>
+        </p:nvCxnSpPr>
+        <p:spPr>
+          <a:xfrm rot="10800000">
+            <a:off x="5938300" y="3413525"/>
+            <a:ext cx="2068200" cy="44400"/>
+          </a:xfrm>
+          <a:prstGeom prst="straightConnector1">
+            <a:avLst/>
+          </a:prstGeom>
+          <a:noFill/>
+          <a:ln cap="flat" cmpd="sng" w="38100">
+            <a:solidFill>
+              <a:srgbClr val="00FF96"/>
+            </a:solidFill>
+            <a:prstDash val="solid"/>
+            <a:round/>
+            <a:headEnd len="med" w="med" type="none"/>
+            <a:tailEnd len="med" w="med" type="none"/>
+          </a:ln>
+          <a:effectLst>
+            <a:outerShdw blurRad="57150" rotWithShape="0" algn="bl" dir="5400000" dist="19050">
+              <a:srgbClr val="000000">
+                <a:alpha val="50000"/>
+              </a:srgbClr>
+            </a:outerShdw>
+          </a:effectLst>
+        </p:spPr>
+      </p:cxnSp>
+      <p:cxnSp>
+        <p:nvCxnSpPr>
+          <p:cNvPr id="94" name="Google Shape;94;p13"/>
+          <p:cNvCxnSpPr/>
+          <p:nvPr/>
+        </p:nvCxnSpPr>
+        <p:spPr>
+          <a:xfrm flipH="1">
+            <a:off x="8713075" y="594100"/>
+            <a:ext cx="28500" cy="3520800"/>
+          </a:xfrm>
+          <a:prstGeom prst="straightConnector1">
+            <a:avLst/>
+          </a:prstGeom>
+          <a:noFill/>
+          <a:ln cap="flat" cmpd="sng" w="38100">
+            <a:solidFill>
+              <a:schemeClr val="dk1"/>
+            </a:solidFill>
+            <a:prstDash val="solid"/>
+            <a:round/>
+            <a:headEnd len="med" w="med" type="none"/>
+            <a:tailEnd len="med" w="med" type="none"/>
+          </a:ln>
+        </p:spPr>
+      </p:cxnSp>
+      <p:cxnSp>
+        <p:nvCxnSpPr>
+          <p:cNvPr id="95" name="Google Shape;95;p13"/>
+          <p:cNvCxnSpPr/>
+          <p:nvPr/>
+        </p:nvCxnSpPr>
+        <p:spPr>
+          <a:xfrm>
+            <a:off x="4036350" y="1207975"/>
+            <a:ext cx="103200" cy="2807700"/>
+          </a:xfrm>
+          <a:prstGeom prst="straightConnector1">
+            <a:avLst/>
+          </a:prstGeom>
+          <a:noFill/>
+          <a:ln cap="flat" cmpd="sng" w="38100">
+            <a:solidFill>
+              <a:srgbClr val="FF0000"/>
+            </a:solidFill>
+            <a:prstDash val="solid"/>
+            <a:round/>
+            <a:headEnd len="med" w="med" type="none"/>
+            <a:tailEnd len="med" w="med" type="none"/>
+          </a:ln>
+          <a:effectLst>
+            <a:outerShdw blurRad="57150" rotWithShape="0" algn="bl" dir="5400000" dist="19050">
+              <a:srgbClr val="000000">
+                <a:alpha val="50000"/>
+              </a:srgbClr>
+            </a:outerShdw>
+          </a:effectLst>
+        </p:spPr>
+      </p:cxnSp>
+      <p:cxnSp>
+        <p:nvCxnSpPr>
+          <p:cNvPr id="96" name="Google Shape;96;p13"/>
+          <p:cNvCxnSpPr/>
+          <p:nvPr/>
+        </p:nvCxnSpPr>
+        <p:spPr>
+          <a:xfrm rot="10800000">
+            <a:off x="6695950" y="1066100"/>
+            <a:ext cx="2281800" cy="0"/>
+          </a:xfrm>
+          <a:prstGeom prst="straightConnector1">
+            <a:avLst/>
+          </a:prstGeom>
+          <a:noFill/>
+          <a:ln cap="flat" cmpd="sng" w="38100">
+            <a:solidFill>
+              <a:srgbClr val="FF0000"/>
+            </a:solidFill>
+            <a:prstDash val="solid"/>
+            <a:round/>
+            <a:headEnd len="med" w="med" type="none"/>
+            <a:tailEnd len="med" w="med" type="none"/>
+          </a:ln>
+          <a:effectLst>
+            <a:outerShdw blurRad="57150" rotWithShape="0" algn="bl" dir="5400000" dist="19050">
+              <a:srgbClr val="000000">
+                <a:alpha val="50000"/>
+              </a:srgbClr>
+            </a:outerShdw>
+          </a:effectLst>
+        </p:spPr>
+      </p:cxnSp>
+      <p:cxnSp>
+        <p:nvCxnSpPr>
+          <p:cNvPr id="97" name="Google Shape;97;p13"/>
+          <p:cNvCxnSpPr/>
+          <p:nvPr/>
+        </p:nvCxnSpPr>
+        <p:spPr>
+          <a:xfrm rot="10800000">
+            <a:off x="2412675" y="1253100"/>
+            <a:ext cx="37500" cy="1561800"/>
+          </a:xfrm>
+          <a:prstGeom prst="straightConnector1">
+            <a:avLst/>
+          </a:prstGeom>
+          <a:noFill/>
+          <a:ln cap="flat" cmpd="sng" w="38100">
+            <a:solidFill>
+              <a:schemeClr val="accent4"/>
+            </a:solidFill>
+            <a:prstDash val="solid"/>
+            <a:round/>
+            <a:headEnd len="med" w="med" type="none"/>
+            <a:tailEnd len="med" w="med" type="none"/>
+          </a:ln>
+          <a:effectLst>
+            <a:outerShdw blurRad="57150" rotWithShape="0" algn="bl" dir="5400000" dist="19050">
+              <a:srgbClr val="000000">
+                <a:alpha val="50000"/>
+              </a:srgbClr>
+            </a:outerShdw>
+          </a:effectLst>
+        </p:spPr>
+      </p:cxnSp>
+      <p:cxnSp>
+        <p:nvCxnSpPr>
+          <p:cNvPr id="98" name="Google Shape;98;p13"/>
+          <p:cNvCxnSpPr/>
+          <p:nvPr/>
+        </p:nvCxnSpPr>
+        <p:spPr>
+          <a:xfrm>
+            <a:off x="8416625" y="776200"/>
+            <a:ext cx="0" cy="2581200"/>
+          </a:xfrm>
+          <a:prstGeom prst="straightConnector1">
+            <a:avLst/>
+          </a:prstGeom>
+          <a:noFill/>
+          <a:ln cap="flat" cmpd="sng" w="38100">
+            <a:solidFill>
+              <a:srgbClr val="2200FF"/>
+            </a:solidFill>
+            <a:prstDash val="solid"/>
+            <a:round/>
+            <a:headEnd len="med" w="med" type="none"/>
+            <a:tailEnd len="med" w="med" type="none"/>
+          </a:ln>
+        </p:spPr>
+      </p:cxnSp>
+      <p:cxnSp>
+        <p:nvCxnSpPr>
+          <p:cNvPr id="99" name="Google Shape;99;p13"/>
+          <p:cNvCxnSpPr/>
+          <p:nvPr/>
+        </p:nvCxnSpPr>
+        <p:spPr>
+          <a:xfrm rot="10800000">
+            <a:off x="5947625" y="3254600"/>
+            <a:ext cx="2469000" cy="84000"/>
+          </a:xfrm>
+          <a:prstGeom prst="straightConnector1">
+            <a:avLst/>
+          </a:prstGeom>
+          <a:noFill/>
+          <a:ln cap="flat" cmpd="sng" w="38100">
+            <a:solidFill>
+              <a:srgbClr val="2200FF"/>
+            </a:solidFill>
+            <a:prstDash val="solid"/>
+            <a:round/>
+            <a:headEnd len="med" w="med" type="none"/>
+            <a:tailEnd len="med" w="med" type="none"/>
+          </a:ln>
+        </p:spPr>
+      </p:cxnSp>
+      <p:cxnSp>
+        <p:nvCxnSpPr>
+          <p:cNvPr id="100" name="Google Shape;100;p13"/>
+          <p:cNvCxnSpPr/>
+          <p:nvPr/>
+        </p:nvCxnSpPr>
+        <p:spPr>
+          <a:xfrm>
+            <a:off x="8192425" y="4362675"/>
+            <a:ext cx="869400" cy="14100"/>
+          </a:xfrm>
+          <a:prstGeom prst="straightConnector1">
+            <a:avLst/>
+          </a:prstGeom>
+          <a:noFill/>
+          <a:ln cap="flat" cmpd="sng" w="38100">
+            <a:solidFill>
+              <a:srgbClr val="FF0000"/>
+            </a:solidFill>
+            <a:prstDash val="solid"/>
+            <a:round/>
+            <a:headEnd len="med" w="med" type="none"/>
+            <a:tailEnd len="med" w="med" type="none"/>
+          </a:ln>
+          <a:effectLst>
+            <a:outerShdw blurRad="57150" rotWithShape="0" algn="bl" dir="5400000" dist="19050">
+              <a:srgbClr val="000000">
+                <a:alpha val="50000"/>
+              </a:srgbClr>
+            </a:outerShdw>
+          </a:effectLst>
+        </p:spPr>
+      </p:cxnSp>
+      <p:cxnSp>
+        <p:nvCxnSpPr>
+          <p:cNvPr id="101" name="Google Shape;101;p13"/>
+          <p:cNvCxnSpPr/>
+          <p:nvPr/>
+        </p:nvCxnSpPr>
+        <p:spPr>
+          <a:xfrm rot="10800000">
+            <a:off x="8277675" y="4074025"/>
+            <a:ext cx="398100" cy="3600"/>
+          </a:xfrm>
+          <a:prstGeom prst="straightConnector1">
+            <a:avLst/>
+          </a:prstGeom>
+          <a:noFill/>
+          <a:ln cap="flat" cmpd="sng" w="38100">
+            <a:solidFill>
+              <a:schemeClr val="dk1"/>
+            </a:solidFill>
+            <a:prstDash val="solid"/>
+            <a:round/>
+            <a:headEnd len="med" w="med" type="none"/>
+            <a:tailEnd len="med" w="med" type="none"/>
+          </a:ln>
+        </p:spPr>
+      </p:cxnSp>
+      <p:cxnSp>
+        <p:nvCxnSpPr>
+          <p:cNvPr id="102" name="Google Shape;102;p13"/>
+          <p:cNvCxnSpPr/>
+          <p:nvPr/>
+        </p:nvCxnSpPr>
+        <p:spPr>
+          <a:xfrm flipH="1" rot="10800000">
+            <a:off x="1412925" y="5068525"/>
+            <a:ext cx="6844800" cy="600"/>
+          </a:xfrm>
+          <a:prstGeom prst="straightConnector1">
+            <a:avLst/>
+          </a:prstGeom>
+          <a:noFill/>
+          <a:ln cap="flat" cmpd="sng" w="38100">
+            <a:solidFill>
+              <a:srgbClr val="FF0000"/>
+            </a:solidFill>
+            <a:prstDash val="solid"/>
+            <a:round/>
+            <a:headEnd len="med" w="med" type="none"/>
+            <a:tailEnd len="med" w="med" type="none"/>
+          </a:ln>
+          <a:effectLst>
+            <a:outerShdw blurRad="57150" rotWithShape="0" algn="bl" dir="5400000" dist="19050">
+              <a:srgbClr val="000000">
+                <a:alpha val="50000"/>
+              </a:srgbClr>
+            </a:outerShdw>
+          </a:effectLst>
+        </p:spPr>
+      </p:cxnSp>
+      <p:cxnSp>
+        <p:nvCxnSpPr>
+          <p:cNvPr id="103" name="Google Shape;103;p13"/>
+          <p:cNvCxnSpPr/>
+          <p:nvPr/>
+        </p:nvCxnSpPr>
+        <p:spPr>
+          <a:xfrm rot="10800000">
+            <a:off x="8229700" y="4386125"/>
+            <a:ext cx="18600" cy="673200"/>
+          </a:xfrm>
+          <a:prstGeom prst="straightConnector1">
+            <a:avLst/>
+          </a:prstGeom>
+          <a:noFill/>
+          <a:ln cap="flat" cmpd="sng" w="38100">
+            <a:solidFill>
+              <a:srgbClr val="FF0000"/>
+            </a:solidFill>
+            <a:prstDash val="solid"/>
+            <a:round/>
+            <a:headEnd len="med" w="med" type="none"/>
+            <a:tailEnd len="med" w="med" type="none"/>
+          </a:ln>
+          <a:effectLst>
+            <a:outerShdw blurRad="57150" rotWithShape="0" algn="bl" dir="5400000" dist="19050">
+              <a:srgbClr val="000000">
+                <a:alpha val="50000"/>
+              </a:srgbClr>
+            </a:outerShdw>
+          </a:effectLst>
+        </p:spPr>
+      </p:cxnSp>
+      <p:cxnSp>
+        <p:nvCxnSpPr>
+          <p:cNvPr id="104" name="Google Shape;104;p13"/>
+          <p:cNvCxnSpPr/>
+          <p:nvPr/>
+        </p:nvCxnSpPr>
+        <p:spPr>
+          <a:xfrm>
+            <a:off x="1393425" y="4769425"/>
+            <a:ext cx="6911100" cy="46800"/>
           </a:xfrm>
           <a:prstGeom prst="straightConnector1">
             <a:avLst/>
@@ -6223,14 +7456,14 @@
       </p:cxnSp>
       <p:cxnSp>
         <p:nvCxnSpPr>
-          <p:cNvPr id="66" name="Google Shape;66;p13"/>
+          <p:cNvPr id="105" name="Google Shape;105;p13"/>
           <p:cNvCxnSpPr/>
           <p:nvPr/>
         </p:nvCxnSpPr>
         <p:spPr>
           <a:xfrm>
-            <a:off x="2272500" y="1075450"/>
-            <a:ext cx="9300" cy="3862200"/>
+            <a:off x="8229600" y="4058700"/>
+            <a:ext cx="56100" cy="776100"/>
           </a:xfrm>
           <a:prstGeom prst="straightConnector1">
             <a:avLst/>
@@ -6256,40 +7489,14 @@
       </p:cxnSp>
       <p:cxnSp>
         <p:nvCxnSpPr>
-          <p:cNvPr id="67" name="Google Shape;67;p13"/>
+          <p:cNvPr id="106" name="Google Shape;106;p13"/>
           <p:cNvCxnSpPr/>
           <p:nvPr/>
         </p:nvCxnSpPr>
         <p:spPr>
           <a:xfrm>
-            <a:off x="2300550" y="4919050"/>
-            <a:ext cx="2674500" cy="28200"/>
-          </a:xfrm>
-          <a:prstGeom prst="straightConnector1">
-            <a:avLst/>
-          </a:prstGeom>
-          <a:noFill/>
-          <a:ln cap="flat" cmpd="sng" w="38100">
-            <a:solidFill>
-              <a:schemeClr val="dk1"/>
-            </a:solidFill>
-            <a:prstDash val="solid"/>
-            <a:round/>
-            <a:headEnd len="med" w="med" type="none"/>
-            <a:tailEnd len="med" w="med" type="none"/>
-          </a:ln>
-        </p:spPr>
-      </p:cxnSp>
-      <p:cxnSp>
-        <p:nvCxnSpPr>
-          <p:cNvPr id="68" name="Google Shape;68;p13"/>
-          <p:cNvCxnSpPr/>
-          <p:nvPr/>
-        </p:nvCxnSpPr>
-        <p:spPr>
-          <a:xfrm>
-            <a:off x="6667850" y="869725"/>
-            <a:ext cx="46800" cy="3993300"/>
+            <a:off x="1399700" y="3688663"/>
+            <a:ext cx="12300" cy="1080900"/>
           </a:xfrm>
           <a:prstGeom prst="straightConnector1">
             <a:avLst/>
@@ -6315,290 +7522,16 @@
       </p:cxnSp>
       <p:cxnSp>
         <p:nvCxnSpPr>
-          <p:cNvPr id="69" name="Google Shape;69;p13"/>
-          <p:cNvCxnSpPr/>
+          <p:cNvPr id="107" name="Google Shape;107;p13"/>
+          <p:cNvCxnSpPr>
+            <a:stCxn id="89" idx="3"/>
+          </p:cNvCxnSpPr>
           <p:nvPr/>
         </p:nvCxnSpPr>
         <p:spPr>
-          <a:xfrm flipH="1" rot="10800000">
-            <a:off x="2904600" y="1898500"/>
-            <a:ext cx="3080700" cy="8700"/>
-          </a:xfrm>
-          <a:prstGeom prst="straightConnector1">
-            <a:avLst/>
-          </a:prstGeom>
-          <a:noFill/>
-          <a:ln cap="flat" cmpd="sng" w="38100">
-            <a:solidFill>
-              <a:srgbClr val="4A86E8"/>
-            </a:solidFill>
-            <a:prstDash val="solid"/>
-            <a:round/>
-            <a:headEnd len="med" w="med" type="none"/>
-            <a:tailEnd len="med" w="med" type="none"/>
-          </a:ln>
-          <a:effectLst>
-            <a:outerShdw blurRad="57150" rotWithShape="0" algn="bl" dir="5400000" dist="19050">
-              <a:srgbClr val="000000">
-                <a:alpha val="50000"/>
-              </a:srgbClr>
-            </a:outerShdw>
-          </a:effectLst>
-        </p:spPr>
-      </p:cxnSp>
-      <p:cxnSp>
-        <p:nvCxnSpPr>
-          <p:cNvPr id="70" name="Google Shape;70;p13"/>
-          <p:cNvCxnSpPr/>
-          <p:nvPr/>
-        </p:nvCxnSpPr>
-        <p:spPr>
           <a:xfrm>
-            <a:off x="2796350" y="1837650"/>
-            <a:ext cx="9300" cy="3090900"/>
-          </a:xfrm>
-          <a:prstGeom prst="straightConnector1">
-            <a:avLst/>
-          </a:prstGeom>
-          <a:noFill/>
-          <a:ln cap="flat" cmpd="sng" w="38100">
-            <a:solidFill>
-              <a:schemeClr val="dk1"/>
-            </a:solidFill>
-            <a:prstDash val="solid"/>
-            <a:round/>
-            <a:headEnd len="med" w="med" type="none"/>
-            <a:tailEnd len="med" w="med" type="none"/>
-          </a:ln>
-          <a:effectLst>
-            <a:outerShdw blurRad="57150" rotWithShape="0" algn="bl" dir="5400000" dist="19050">
-              <a:srgbClr val="000000">
-                <a:alpha val="50000"/>
-              </a:srgbClr>
-            </a:outerShdw>
-          </a:effectLst>
-        </p:spPr>
-      </p:cxnSp>
-      <p:cxnSp>
-        <p:nvCxnSpPr>
-          <p:cNvPr id="71" name="Google Shape;71;p13"/>
-          <p:cNvCxnSpPr/>
-          <p:nvPr/>
-        </p:nvCxnSpPr>
-        <p:spPr>
-          <a:xfrm>
-            <a:off x="1369625" y="4172875"/>
-            <a:ext cx="4802700" cy="35400"/>
-          </a:xfrm>
-          <a:prstGeom prst="straightConnector1">
-            <a:avLst/>
-          </a:prstGeom>
-          <a:noFill/>
-          <a:ln cap="flat" cmpd="sng" w="38100">
-            <a:solidFill>
-              <a:srgbClr val="00FF00"/>
-            </a:solidFill>
-            <a:prstDash val="solid"/>
-            <a:round/>
-            <a:headEnd len="med" w="med" type="none"/>
-            <a:tailEnd len="med" w="med" type="none"/>
-          </a:ln>
-          <a:effectLst>
-            <a:outerShdw blurRad="57150" rotWithShape="0" algn="bl" dir="5400000" dist="19050">
-              <a:srgbClr val="000000">
-                <a:alpha val="50000"/>
-              </a:srgbClr>
-            </a:outerShdw>
-          </a:effectLst>
-        </p:spPr>
-      </p:cxnSp>
-      <p:cxnSp>
-        <p:nvCxnSpPr>
-          <p:cNvPr id="72" name="Google Shape;72;p13"/>
-          <p:cNvCxnSpPr/>
-          <p:nvPr/>
-        </p:nvCxnSpPr>
-        <p:spPr>
-          <a:xfrm>
-            <a:off x="1369625" y="3564000"/>
-            <a:ext cx="6261600" cy="8400"/>
-          </a:xfrm>
-          <a:prstGeom prst="straightConnector1">
-            <a:avLst/>
-          </a:prstGeom>
-          <a:noFill/>
-          <a:ln cap="flat" cmpd="sng" w="38100">
-            <a:solidFill>
-              <a:srgbClr val="00FF00"/>
-            </a:solidFill>
-            <a:prstDash val="solid"/>
-            <a:round/>
-            <a:headEnd len="med" w="med" type="none"/>
-            <a:tailEnd len="med" w="med" type="none"/>
-          </a:ln>
-          <a:effectLst>
-            <a:outerShdw blurRad="57150" rotWithShape="0" algn="bl" dir="5400000" dist="19050">
-              <a:srgbClr val="000000">
-                <a:alpha val="50000"/>
-              </a:srgbClr>
-            </a:outerShdw>
-          </a:effectLst>
-        </p:spPr>
-      </p:cxnSp>
-      <p:cxnSp>
-        <p:nvCxnSpPr>
-          <p:cNvPr id="73" name="Google Shape;73;p13"/>
-          <p:cNvCxnSpPr/>
-          <p:nvPr/>
-        </p:nvCxnSpPr>
-        <p:spPr>
-          <a:xfrm flipH="1">
-            <a:off x="4975300" y="4844250"/>
-            <a:ext cx="3544200" cy="28200"/>
-          </a:xfrm>
-          <a:prstGeom prst="straightConnector1">
-            <a:avLst/>
-          </a:prstGeom>
-          <a:noFill/>
-          <a:ln cap="flat" cmpd="sng" w="38100">
-            <a:solidFill>
-              <a:schemeClr val="dk1"/>
-            </a:solidFill>
-            <a:prstDash val="solid"/>
-            <a:round/>
-            <a:headEnd len="med" w="med" type="none"/>
-            <a:tailEnd len="med" w="med" type="none"/>
-          </a:ln>
-        </p:spPr>
-      </p:cxnSp>
-      <p:cxnSp>
-        <p:nvCxnSpPr>
-          <p:cNvPr id="74" name="Google Shape;74;p13"/>
-          <p:cNvCxnSpPr/>
-          <p:nvPr/>
-        </p:nvCxnSpPr>
-        <p:spPr>
-          <a:xfrm rot="10800000">
-            <a:off x="4975175" y="4358050"/>
-            <a:ext cx="0" cy="504900"/>
-          </a:xfrm>
-          <a:prstGeom prst="straightConnector1">
-            <a:avLst/>
-          </a:prstGeom>
-          <a:noFill/>
-          <a:ln cap="flat" cmpd="sng" w="38100">
-            <a:solidFill>
-              <a:schemeClr val="dk2"/>
-            </a:solidFill>
-            <a:prstDash val="solid"/>
-            <a:round/>
-            <a:headEnd len="med" w="med" type="none"/>
-            <a:tailEnd len="med" w="med" type="none"/>
-          </a:ln>
-        </p:spPr>
-      </p:cxnSp>
-      <p:cxnSp>
-        <p:nvCxnSpPr>
-          <p:cNvPr id="75" name="Google Shape;75;p13"/>
-          <p:cNvCxnSpPr/>
-          <p:nvPr/>
-        </p:nvCxnSpPr>
-        <p:spPr>
-          <a:xfrm>
-            <a:off x="7584325" y="2618500"/>
-            <a:ext cx="18600" cy="972600"/>
-          </a:xfrm>
-          <a:prstGeom prst="straightConnector1">
-            <a:avLst/>
-          </a:prstGeom>
-          <a:noFill/>
-          <a:ln cap="flat" cmpd="sng" w="38100">
-            <a:solidFill>
-              <a:srgbClr val="00FF00"/>
-            </a:solidFill>
-            <a:prstDash val="solid"/>
-            <a:round/>
-            <a:headEnd len="med" w="med" type="none"/>
-            <a:tailEnd len="med" w="med" type="none"/>
-          </a:ln>
-          <a:effectLst>
-            <a:outerShdw blurRad="57150" rotWithShape="0" algn="bl" dir="5400000" dist="19050">
-              <a:srgbClr val="000000">
-                <a:alpha val="50000"/>
-              </a:srgbClr>
-            </a:outerShdw>
-          </a:effectLst>
-        </p:spPr>
-      </p:cxnSp>
-      <p:cxnSp>
-        <p:nvCxnSpPr>
-          <p:cNvPr id="76" name="Google Shape;76;p13"/>
-          <p:cNvCxnSpPr/>
-          <p:nvPr/>
-        </p:nvCxnSpPr>
-        <p:spPr>
-          <a:xfrm flipH="1">
-            <a:off x="5919575" y="2618500"/>
-            <a:ext cx="1655400" cy="28200"/>
-          </a:xfrm>
-          <a:prstGeom prst="straightConnector1">
-            <a:avLst/>
-          </a:prstGeom>
-          <a:noFill/>
-          <a:ln cap="flat" cmpd="sng" w="38100">
-            <a:solidFill>
-              <a:srgbClr val="00FF00"/>
-            </a:solidFill>
-            <a:prstDash val="solid"/>
-            <a:round/>
-            <a:headEnd len="med" w="med" type="none"/>
-            <a:tailEnd len="med" w="med" type="none"/>
-          </a:ln>
-          <a:effectLst>
-            <a:outerShdw blurRad="57150" rotWithShape="0" algn="bl" dir="5400000" dist="19050">
-              <a:srgbClr val="000000">
-                <a:alpha val="50000"/>
-              </a:srgbClr>
-            </a:outerShdw>
-          </a:effectLst>
-        </p:spPr>
-      </p:cxnSp>
-      <p:cxnSp>
-        <p:nvCxnSpPr>
-          <p:cNvPr id="77" name="Google Shape;77;p13"/>
-          <p:cNvCxnSpPr/>
-          <p:nvPr/>
-        </p:nvCxnSpPr>
-        <p:spPr>
-          <a:xfrm>
-            <a:off x="4975175" y="4339250"/>
-            <a:ext cx="0" cy="617400"/>
-          </a:xfrm>
-          <a:prstGeom prst="straightConnector1">
-            <a:avLst/>
-          </a:prstGeom>
-          <a:noFill/>
-          <a:ln cap="flat" cmpd="sng" w="38100">
-            <a:solidFill>
-              <a:schemeClr val="dk1"/>
-            </a:solidFill>
-            <a:prstDash val="solid"/>
-            <a:round/>
-            <a:headEnd len="med" w="med" type="none"/>
-            <a:tailEnd len="med" w="med" type="none"/>
-          </a:ln>
-        </p:spPr>
-      </p:cxnSp>
-      <p:cxnSp>
-        <p:nvCxnSpPr>
-          <p:cNvPr id="78" name="Google Shape;78;p13"/>
-          <p:cNvCxnSpPr/>
-          <p:nvPr/>
-        </p:nvCxnSpPr>
-        <p:spPr>
-          <a:xfrm>
-            <a:off x="2491150" y="1247600"/>
-            <a:ext cx="5700" cy="2736300"/>
+            <a:off x="9055224" y="701970"/>
+            <a:ext cx="6600" cy="3712200"/>
           </a:xfrm>
           <a:prstGeom prst="straightConnector1">
             <a:avLst/>
@@ -6622,783 +7555,6 @@
           </a:effectLst>
         </p:spPr>
       </p:cxnSp>
-      <p:cxnSp>
-        <p:nvCxnSpPr>
-          <p:cNvPr id="79" name="Google Shape;79;p13"/>
-          <p:cNvCxnSpPr>
-            <a:endCxn id="59" idx="2"/>
-          </p:cNvCxnSpPr>
-          <p:nvPr/>
-        </p:nvCxnSpPr>
-        <p:spPr>
-          <a:xfrm flipH="1">
-            <a:off x="2389550" y="2945750"/>
-            <a:ext cx="2595000" cy="81600"/>
-          </a:xfrm>
-          <a:prstGeom prst="straightConnector1">
-            <a:avLst/>
-          </a:prstGeom>
-          <a:noFill/>
-          <a:ln cap="flat" cmpd="sng" w="38100">
-            <a:solidFill>
-              <a:schemeClr val="accent4"/>
-            </a:solidFill>
-            <a:prstDash val="solid"/>
-            <a:round/>
-            <a:headEnd len="med" w="med" type="none"/>
-            <a:tailEnd len="med" w="med" type="none"/>
-          </a:ln>
-          <a:effectLst>
-            <a:outerShdw blurRad="57150" rotWithShape="0" algn="bl" dir="5400000" dist="19050">
-              <a:srgbClr val="000000">
-                <a:alpha val="50000"/>
-              </a:srgbClr>
-            </a:outerShdw>
-          </a:effectLst>
-        </p:spPr>
-      </p:cxnSp>
-      <p:cxnSp>
-        <p:nvCxnSpPr>
-          <p:cNvPr id="80" name="Google Shape;80;p13"/>
-          <p:cNvCxnSpPr/>
-          <p:nvPr/>
-        </p:nvCxnSpPr>
-        <p:spPr>
-          <a:xfrm rot="10800000">
-            <a:off x="5975800" y="1870400"/>
-            <a:ext cx="0" cy="495600"/>
-          </a:xfrm>
-          <a:prstGeom prst="straightConnector1">
-            <a:avLst/>
-          </a:prstGeom>
-          <a:noFill/>
-          <a:ln cap="flat" cmpd="sng" w="38100">
-            <a:solidFill>
-              <a:srgbClr val="4A86E8"/>
-            </a:solidFill>
-            <a:prstDash val="solid"/>
-            <a:round/>
-            <a:headEnd len="med" w="med" type="none"/>
-            <a:tailEnd len="med" w="med" type="none"/>
-          </a:ln>
-          <a:effectLst>
-            <a:outerShdw blurRad="57150" rotWithShape="0" algn="bl" dir="5400000" dist="19050">
-              <a:srgbClr val="000000">
-                <a:alpha val="50000"/>
-              </a:srgbClr>
-            </a:outerShdw>
-          </a:effectLst>
-        </p:spPr>
-      </p:cxnSp>
-      <p:cxnSp>
-        <p:nvCxnSpPr>
-          <p:cNvPr id="81" name="Google Shape;81;p13"/>
-          <p:cNvCxnSpPr>
-            <a:stCxn id="59" idx="2"/>
-          </p:cNvCxnSpPr>
-          <p:nvPr/>
-        </p:nvCxnSpPr>
-        <p:spPr>
-          <a:xfrm rot="10800000">
-            <a:off x="2347250" y="1196750"/>
-            <a:ext cx="42300" cy="1830600"/>
-          </a:xfrm>
-          <a:prstGeom prst="straightConnector1">
-            <a:avLst/>
-          </a:prstGeom>
-          <a:noFill/>
-          <a:ln cap="flat" cmpd="sng" w="38100">
-            <a:solidFill>
-              <a:schemeClr val="accent4"/>
-            </a:solidFill>
-            <a:prstDash val="solid"/>
-            <a:round/>
-            <a:headEnd len="med" w="med" type="none"/>
-            <a:tailEnd len="med" w="med" type="none"/>
-          </a:ln>
-          <a:effectLst>
-            <a:outerShdw blurRad="57150" rotWithShape="0" algn="bl" dir="5400000" dist="19050">
-              <a:srgbClr val="000000">
-                <a:alpha val="50000"/>
-              </a:srgbClr>
-            </a:outerShdw>
-          </a:effectLst>
-        </p:spPr>
-      </p:cxnSp>
-      <p:cxnSp>
-        <p:nvCxnSpPr>
-          <p:cNvPr id="82" name="Google Shape;82;p13"/>
-          <p:cNvCxnSpPr/>
-          <p:nvPr/>
-        </p:nvCxnSpPr>
-        <p:spPr>
-          <a:xfrm rot="10800000">
-            <a:off x="3778250" y="1094275"/>
-            <a:ext cx="18600" cy="2132100"/>
-          </a:xfrm>
-          <a:prstGeom prst="straightConnector1">
-            <a:avLst/>
-          </a:prstGeom>
-          <a:noFill/>
-          <a:ln cap="flat" cmpd="sng" w="38100">
-            <a:solidFill>
-              <a:srgbClr val="741B47"/>
-            </a:solidFill>
-            <a:prstDash val="solid"/>
-            <a:round/>
-            <a:headEnd len="med" w="med" type="none"/>
-            <a:tailEnd len="med" w="med" type="none"/>
-          </a:ln>
-          <a:effectLst>
-            <a:outerShdw blurRad="57150" rotWithShape="0" algn="bl" dir="5400000" dist="19050">
-              <a:srgbClr val="000000">
-                <a:alpha val="50000"/>
-              </a:srgbClr>
-            </a:outerShdw>
-          </a:effectLst>
-        </p:spPr>
-      </p:cxnSp>
-      <p:cxnSp>
-        <p:nvCxnSpPr>
-          <p:cNvPr id="83" name="Google Shape;83;p13"/>
-          <p:cNvCxnSpPr/>
-          <p:nvPr/>
-        </p:nvCxnSpPr>
-        <p:spPr>
-          <a:xfrm rot="10800000">
-            <a:off x="6146500" y="1227050"/>
-            <a:ext cx="900" cy="954300"/>
-          </a:xfrm>
-          <a:prstGeom prst="straightConnector1">
-            <a:avLst/>
-          </a:prstGeom>
-          <a:noFill/>
-          <a:ln cap="flat" cmpd="sng" w="38100">
-            <a:solidFill>
-              <a:srgbClr val="00FF96"/>
-            </a:solidFill>
-            <a:prstDash val="solid"/>
-            <a:round/>
-            <a:headEnd len="med" w="med" type="none"/>
-            <a:tailEnd len="med" w="med" type="none"/>
-          </a:ln>
-          <a:effectLst>
-            <a:outerShdw blurRad="57150" rotWithShape="0" algn="bl" dir="5400000" dist="19050">
-              <a:srgbClr val="000000">
-                <a:alpha val="50000"/>
-              </a:srgbClr>
-            </a:outerShdw>
-          </a:effectLst>
-        </p:spPr>
-      </p:cxnSp>
-      <p:cxnSp>
-        <p:nvCxnSpPr>
-          <p:cNvPr id="84" name="Google Shape;84;p13"/>
-          <p:cNvCxnSpPr/>
-          <p:nvPr/>
-        </p:nvCxnSpPr>
-        <p:spPr>
-          <a:xfrm rot="10800000">
-            <a:off x="3843650" y="1131550"/>
-            <a:ext cx="9300" cy="2001300"/>
-          </a:xfrm>
-          <a:prstGeom prst="straightConnector1">
-            <a:avLst/>
-          </a:prstGeom>
-          <a:noFill/>
-          <a:ln cap="flat" cmpd="sng" w="38100">
-            <a:solidFill>
-              <a:srgbClr val="741B47"/>
-            </a:solidFill>
-            <a:prstDash val="solid"/>
-            <a:round/>
-            <a:headEnd len="med" w="med" type="none"/>
-            <a:tailEnd len="med" w="med" type="none"/>
-          </a:ln>
-          <a:effectLst>
-            <a:outerShdw blurRad="57150" rotWithShape="0" algn="bl" dir="5400000" dist="19050">
-              <a:srgbClr val="000000">
-                <a:alpha val="50000"/>
-              </a:srgbClr>
-            </a:outerShdw>
-          </a:effectLst>
-        </p:spPr>
-      </p:cxnSp>
-      <p:cxnSp>
-        <p:nvCxnSpPr>
-          <p:cNvPr id="85" name="Google Shape;85;p13"/>
-          <p:cNvCxnSpPr/>
-          <p:nvPr/>
-        </p:nvCxnSpPr>
-        <p:spPr>
-          <a:xfrm flipH="1">
-            <a:off x="2468825" y="2776250"/>
-            <a:ext cx="1187400" cy="38700"/>
-          </a:xfrm>
-          <a:prstGeom prst="straightConnector1">
-            <a:avLst/>
-          </a:prstGeom>
-          <a:noFill/>
-          <a:ln cap="flat" cmpd="sng" w="38100">
-            <a:solidFill>
-              <a:schemeClr val="accent4"/>
-            </a:solidFill>
-            <a:prstDash val="solid"/>
-            <a:round/>
-            <a:headEnd len="med" w="med" type="none"/>
-            <a:tailEnd len="med" w="med" type="none"/>
-          </a:ln>
-          <a:effectLst>
-            <a:outerShdw blurRad="57150" rotWithShape="0" algn="bl" dir="5400000" dist="19050">
-              <a:srgbClr val="000000">
-                <a:alpha val="50000"/>
-              </a:srgbClr>
-            </a:outerShdw>
-          </a:effectLst>
-        </p:spPr>
-      </p:cxnSp>
-      <p:cxnSp>
-        <p:nvCxnSpPr>
-          <p:cNvPr id="86" name="Google Shape;86;p13"/>
-          <p:cNvCxnSpPr/>
-          <p:nvPr/>
-        </p:nvCxnSpPr>
-        <p:spPr>
-          <a:xfrm flipH="1">
-            <a:off x="3776850" y="3235725"/>
-            <a:ext cx="1152900" cy="15900"/>
-          </a:xfrm>
-          <a:prstGeom prst="straightConnector1">
-            <a:avLst/>
-          </a:prstGeom>
-          <a:noFill/>
-          <a:ln cap="flat" cmpd="sng" w="38100">
-            <a:solidFill>
-              <a:srgbClr val="741B47"/>
-            </a:solidFill>
-            <a:prstDash val="solid"/>
-            <a:round/>
-            <a:headEnd len="med" w="med" type="none"/>
-            <a:tailEnd len="med" w="med" type="none"/>
-          </a:ln>
-          <a:effectLst>
-            <a:outerShdw blurRad="57150" rotWithShape="0" algn="bl" dir="5400000" dist="19050">
-              <a:srgbClr val="000000">
-                <a:alpha val="50000"/>
-              </a:srgbClr>
-            </a:outerShdw>
-          </a:effectLst>
-        </p:spPr>
-      </p:cxnSp>
-      <p:cxnSp>
-        <p:nvCxnSpPr>
-          <p:cNvPr id="87" name="Google Shape;87;p13"/>
-          <p:cNvCxnSpPr/>
-          <p:nvPr/>
-        </p:nvCxnSpPr>
-        <p:spPr>
-          <a:xfrm>
-            <a:off x="6116100" y="2478225"/>
-            <a:ext cx="13800" cy="1753500"/>
-          </a:xfrm>
-          <a:prstGeom prst="straightConnector1">
-            <a:avLst/>
-          </a:prstGeom>
-          <a:noFill/>
-          <a:ln cap="flat" cmpd="sng" w="38100">
-            <a:solidFill>
-              <a:srgbClr val="00FF00"/>
-            </a:solidFill>
-            <a:prstDash val="solid"/>
-            <a:round/>
-            <a:headEnd len="med" w="med" type="none"/>
-            <a:tailEnd len="med" w="med" type="none"/>
-          </a:ln>
-          <a:effectLst>
-            <a:outerShdw blurRad="57150" rotWithShape="0" algn="bl" dir="5400000" dist="19050">
-              <a:srgbClr val="000000">
-                <a:alpha val="50000"/>
-              </a:srgbClr>
-            </a:outerShdw>
-          </a:effectLst>
-        </p:spPr>
-      </p:cxnSp>
-      <p:cxnSp>
-        <p:nvCxnSpPr>
-          <p:cNvPr id="88" name="Google Shape;88;p13"/>
-          <p:cNvCxnSpPr/>
-          <p:nvPr/>
-        </p:nvCxnSpPr>
-        <p:spPr>
-          <a:xfrm flipH="1">
-            <a:off x="5910400" y="2487575"/>
-            <a:ext cx="224400" cy="18600"/>
-          </a:xfrm>
-          <a:prstGeom prst="straightConnector1">
-            <a:avLst/>
-          </a:prstGeom>
-          <a:noFill/>
-          <a:ln cap="flat" cmpd="sng" w="38100">
-            <a:solidFill>
-              <a:srgbClr val="00FF00"/>
-            </a:solidFill>
-            <a:prstDash val="solid"/>
-            <a:round/>
-            <a:headEnd len="med" w="med" type="none"/>
-            <a:tailEnd len="med" w="med" type="none"/>
-          </a:ln>
-          <a:effectLst>
-            <a:outerShdw blurRad="57150" rotWithShape="0" algn="bl" dir="5400000" dist="19050">
-              <a:srgbClr val="000000">
-                <a:alpha val="50000"/>
-              </a:srgbClr>
-            </a:outerShdw>
-          </a:effectLst>
-        </p:spPr>
-      </p:cxnSp>
-      <p:cxnSp>
-        <p:nvCxnSpPr>
-          <p:cNvPr id="89" name="Google Shape;89;p13"/>
-          <p:cNvCxnSpPr/>
-          <p:nvPr/>
-        </p:nvCxnSpPr>
-        <p:spPr>
-          <a:xfrm flipH="1">
-            <a:off x="3834425" y="3115275"/>
-            <a:ext cx="1152900" cy="15900"/>
-          </a:xfrm>
-          <a:prstGeom prst="straightConnector1">
-            <a:avLst/>
-          </a:prstGeom>
-          <a:noFill/>
-          <a:ln cap="flat" cmpd="sng" w="38100">
-            <a:solidFill>
-              <a:srgbClr val="741B47"/>
-            </a:solidFill>
-            <a:prstDash val="solid"/>
-            <a:round/>
-            <a:headEnd len="med" w="med" type="none"/>
-            <a:tailEnd len="med" w="med" type="none"/>
-          </a:ln>
-          <a:effectLst>
-            <a:outerShdw blurRad="57150" rotWithShape="0" algn="bl" dir="5400000" dist="19050">
-              <a:srgbClr val="000000">
-                <a:alpha val="50000"/>
-              </a:srgbClr>
-            </a:outerShdw>
-          </a:effectLst>
-        </p:spPr>
-      </p:cxnSp>
-      <p:pic>
-        <p:nvPicPr>
-          <p:cNvPr id="90" name="Google Shape;90;p13"/>
-          <p:cNvPicPr preferRelativeResize="0"/>
-          <p:nvPr/>
-        </p:nvPicPr>
-        <p:blipFill>
-          <a:blip r:embed="rId6">
-            <a:alphaModFix/>
-          </a:blip>
-          <a:stretch>
-            <a:fillRect/>
-          </a:stretch>
-        </p:blipFill>
-        <p:spPr>
-          <a:xfrm>
-            <a:off x="6893050" y="263202"/>
-            <a:ext cx="2162174" cy="877535"/>
-          </a:xfrm>
-          <a:prstGeom prst="rect">
-            <a:avLst/>
-          </a:prstGeom>
-          <a:noFill/>
-          <a:ln>
-            <a:noFill/>
-          </a:ln>
-        </p:spPr>
-      </p:pic>
-      <p:cxnSp>
-        <p:nvCxnSpPr>
-          <p:cNvPr id="91" name="Google Shape;91;p13"/>
-          <p:cNvCxnSpPr/>
-          <p:nvPr/>
-        </p:nvCxnSpPr>
-        <p:spPr>
-          <a:xfrm flipH="1">
-            <a:off x="8519500" y="692025"/>
-            <a:ext cx="271200" cy="28200"/>
-          </a:xfrm>
-          <a:prstGeom prst="straightConnector1">
-            <a:avLst/>
-          </a:prstGeom>
-          <a:noFill/>
-          <a:ln cap="flat" cmpd="sng" w="38100">
-            <a:solidFill>
-              <a:srgbClr val="FF0000"/>
-            </a:solidFill>
-            <a:prstDash val="solid"/>
-            <a:round/>
-            <a:headEnd len="med" w="med" type="none"/>
-            <a:tailEnd len="med" w="med" type="none"/>
-          </a:ln>
-          <a:effectLst>
-            <a:outerShdw blurRad="57150" rotWithShape="0" algn="bl" dir="5400000" dist="19050">
-              <a:srgbClr val="000000">
-                <a:alpha val="50000"/>
-              </a:srgbClr>
-            </a:outerShdw>
-          </a:effectLst>
-        </p:spPr>
-      </p:cxnSp>
-      <p:cxnSp>
-        <p:nvCxnSpPr>
-          <p:cNvPr id="92" name="Google Shape;92;p13"/>
-          <p:cNvCxnSpPr/>
-          <p:nvPr/>
-        </p:nvCxnSpPr>
-        <p:spPr>
-          <a:xfrm flipH="1">
-            <a:off x="6184625" y="2156550"/>
-            <a:ext cx="1784700" cy="12600"/>
-          </a:xfrm>
-          <a:prstGeom prst="straightConnector1">
-            <a:avLst/>
-          </a:prstGeom>
-          <a:noFill/>
-          <a:ln cap="flat" cmpd="sng" w="38100">
-            <a:solidFill>
-              <a:srgbClr val="00FF96"/>
-            </a:solidFill>
-            <a:prstDash val="solid"/>
-            <a:round/>
-            <a:headEnd len="med" w="med" type="none"/>
-            <a:tailEnd len="med" w="med" type="none"/>
-          </a:ln>
-          <a:effectLst>
-            <a:outerShdw blurRad="57150" rotWithShape="0" algn="bl" dir="5400000" dist="19050">
-              <a:srgbClr val="000000">
-                <a:alpha val="50000"/>
-              </a:srgbClr>
-            </a:outerShdw>
-          </a:effectLst>
-        </p:spPr>
-      </p:cxnSp>
-      <p:cxnSp>
-        <p:nvCxnSpPr>
-          <p:cNvPr id="93" name="Google Shape;93;p13"/>
-          <p:cNvCxnSpPr/>
-          <p:nvPr/>
-        </p:nvCxnSpPr>
-        <p:spPr>
-          <a:xfrm rot="10800000">
-            <a:off x="7981700" y="2193825"/>
-            <a:ext cx="37200" cy="1239300"/>
-          </a:xfrm>
-          <a:prstGeom prst="straightConnector1">
-            <a:avLst/>
-          </a:prstGeom>
-          <a:noFill/>
-          <a:ln cap="flat" cmpd="sng" w="38100">
-            <a:solidFill>
-              <a:srgbClr val="00FF96"/>
-            </a:solidFill>
-            <a:prstDash val="solid"/>
-            <a:round/>
-            <a:headEnd len="med" w="med" type="none"/>
-            <a:tailEnd len="med" w="med" type="none"/>
-          </a:ln>
-          <a:effectLst>
-            <a:outerShdw blurRad="57150" rotWithShape="0" algn="bl" dir="5400000" dist="19050">
-              <a:srgbClr val="000000">
-                <a:alpha val="50000"/>
-              </a:srgbClr>
-            </a:outerShdw>
-          </a:effectLst>
-        </p:spPr>
-      </p:cxnSp>
-      <p:cxnSp>
-        <p:nvCxnSpPr>
-          <p:cNvPr id="94" name="Google Shape;94;p13"/>
-          <p:cNvCxnSpPr/>
-          <p:nvPr/>
-        </p:nvCxnSpPr>
-        <p:spPr>
-          <a:xfrm rot="10800000">
-            <a:off x="7225600" y="3445625"/>
-            <a:ext cx="780900" cy="12300"/>
-          </a:xfrm>
-          <a:prstGeom prst="straightConnector1">
-            <a:avLst/>
-          </a:prstGeom>
-          <a:noFill/>
-          <a:ln cap="flat" cmpd="sng" w="38100">
-            <a:solidFill>
-              <a:srgbClr val="00FF96"/>
-            </a:solidFill>
-            <a:prstDash val="solid"/>
-            <a:round/>
-            <a:headEnd len="med" w="med" type="none"/>
-            <a:tailEnd len="med" w="med" type="none"/>
-          </a:ln>
-          <a:effectLst>
-            <a:outerShdw blurRad="57150" rotWithShape="0" algn="bl" dir="5400000" dist="19050">
-              <a:srgbClr val="000000">
-                <a:alpha val="50000"/>
-              </a:srgbClr>
-            </a:outerShdw>
-          </a:effectLst>
-        </p:spPr>
-      </p:cxnSp>
-      <p:cxnSp>
-        <p:nvCxnSpPr>
-          <p:cNvPr id="95" name="Google Shape;95;p13"/>
-          <p:cNvCxnSpPr/>
-          <p:nvPr/>
-        </p:nvCxnSpPr>
-        <p:spPr>
-          <a:xfrm flipH="1">
-            <a:off x="8500525" y="589175"/>
-            <a:ext cx="56400" cy="4283100"/>
-          </a:xfrm>
-          <a:prstGeom prst="straightConnector1">
-            <a:avLst/>
-          </a:prstGeom>
-          <a:noFill/>
-          <a:ln cap="flat" cmpd="sng" w="38100">
-            <a:solidFill>
-              <a:schemeClr val="dk1"/>
-            </a:solidFill>
-            <a:prstDash val="solid"/>
-            <a:round/>
-            <a:headEnd len="med" w="med" type="none"/>
-            <a:tailEnd len="med" w="med" type="none"/>
-          </a:ln>
-        </p:spPr>
-      </p:cxnSp>
-      <p:cxnSp>
-        <p:nvCxnSpPr>
-          <p:cNvPr id="96" name="Google Shape;96;p13"/>
-          <p:cNvCxnSpPr/>
-          <p:nvPr/>
-        </p:nvCxnSpPr>
-        <p:spPr>
-          <a:xfrm flipH="1">
-            <a:off x="8753188" y="669650"/>
-            <a:ext cx="15600" cy="3276900"/>
-          </a:xfrm>
-          <a:prstGeom prst="straightConnector1">
-            <a:avLst/>
-          </a:prstGeom>
-          <a:noFill/>
-          <a:ln cap="flat" cmpd="sng" w="38100">
-            <a:solidFill>
-              <a:srgbClr val="FF0000"/>
-            </a:solidFill>
-            <a:prstDash val="solid"/>
-            <a:round/>
-            <a:headEnd len="med" w="med" type="none"/>
-            <a:tailEnd len="med" w="med" type="none"/>
-          </a:ln>
-          <a:effectLst>
-            <a:outerShdw blurRad="57150" rotWithShape="0" algn="bl" dir="5400000" dist="19050">
-              <a:srgbClr val="000000">
-                <a:alpha val="50000"/>
-              </a:srgbClr>
-            </a:outerShdw>
-          </a:effectLst>
-        </p:spPr>
-      </p:cxnSp>
-      <p:cxnSp>
-        <p:nvCxnSpPr>
-          <p:cNvPr id="97" name="Google Shape;97;p13"/>
-          <p:cNvCxnSpPr/>
-          <p:nvPr/>
-        </p:nvCxnSpPr>
-        <p:spPr>
-          <a:xfrm rot="10800000">
-            <a:off x="4697288" y="1152550"/>
-            <a:ext cx="1353300" cy="31500"/>
-          </a:xfrm>
-          <a:prstGeom prst="straightConnector1">
-            <a:avLst/>
-          </a:prstGeom>
-          <a:noFill/>
-          <a:ln cap="flat" cmpd="sng" w="38100">
-            <a:solidFill>
-              <a:srgbClr val="FF0000"/>
-            </a:solidFill>
-            <a:prstDash val="solid"/>
-            <a:round/>
-            <a:headEnd len="med" w="med" type="none"/>
-            <a:tailEnd len="med" w="med" type="none"/>
-          </a:ln>
-          <a:effectLst>
-            <a:outerShdw blurRad="57150" rotWithShape="0" algn="bl" dir="5400000" dist="19050">
-              <a:srgbClr val="000000">
-                <a:alpha val="50000"/>
-              </a:srgbClr>
-            </a:outerShdw>
-          </a:effectLst>
-        </p:spPr>
-      </p:cxnSp>
-      <p:cxnSp>
-        <p:nvCxnSpPr>
-          <p:cNvPr id="98" name="Google Shape;98;p13"/>
-          <p:cNvCxnSpPr/>
-          <p:nvPr/>
-        </p:nvCxnSpPr>
-        <p:spPr>
-          <a:xfrm flipH="1">
-            <a:off x="4176313" y="1447800"/>
-            <a:ext cx="9300" cy="2897100"/>
-          </a:xfrm>
-          <a:prstGeom prst="straightConnector1">
-            <a:avLst/>
-          </a:prstGeom>
-          <a:noFill/>
-          <a:ln cap="flat" cmpd="sng" w="38100">
-            <a:solidFill>
-              <a:srgbClr val="FF0000"/>
-            </a:solidFill>
-            <a:prstDash val="solid"/>
-            <a:round/>
-            <a:headEnd len="med" w="med" type="none"/>
-            <a:tailEnd len="med" w="med" type="none"/>
-          </a:ln>
-          <a:effectLst>
-            <a:outerShdw blurRad="57150" rotWithShape="0" algn="bl" dir="5400000" dist="19050">
-              <a:srgbClr val="000000">
-                <a:alpha val="50000"/>
-              </a:srgbClr>
-            </a:outerShdw>
-          </a:effectLst>
-        </p:spPr>
-      </p:cxnSp>
-      <p:cxnSp>
-        <p:nvCxnSpPr>
-          <p:cNvPr id="99" name="Google Shape;99;p13"/>
-          <p:cNvCxnSpPr/>
-          <p:nvPr/>
-        </p:nvCxnSpPr>
-        <p:spPr>
-          <a:xfrm flipH="1">
-            <a:off x="4217650" y="1152550"/>
-            <a:ext cx="468300" cy="334500"/>
-          </a:xfrm>
-          <a:prstGeom prst="straightConnector1">
-            <a:avLst/>
-          </a:prstGeom>
-          <a:noFill/>
-          <a:ln cap="flat" cmpd="sng" w="38100">
-            <a:solidFill>
-              <a:srgbClr val="FF0000"/>
-            </a:solidFill>
-            <a:prstDash val="solid"/>
-            <a:round/>
-            <a:headEnd len="med" w="med" type="none"/>
-            <a:tailEnd len="med" w="med" type="none"/>
-          </a:ln>
-          <a:effectLst>
-            <a:outerShdw blurRad="57150" rotWithShape="0" algn="bl" dir="5400000" dist="19050">
-              <a:srgbClr val="000000">
-                <a:alpha val="50000"/>
-              </a:srgbClr>
-            </a:outerShdw>
-          </a:effectLst>
-        </p:spPr>
-      </p:cxnSp>
-      <p:cxnSp>
-        <p:nvCxnSpPr>
-          <p:cNvPr id="100" name="Google Shape;100;p13"/>
-          <p:cNvCxnSpPr/>
-          <p:nvPr/>
-        </p:nvCxnSpPr>
-        <p:spPr>
-          <a:xfrm flipH="1" rot="10800000">
-            <a:off x="4965825" y="3937075"/>
-            <a:ext cx="3806100" cy="102900"/>
-          </a:xfrm>
-          <a:prstGeom prst="straightConnector1">
-            <a:avLst/>
-          </a:prstGeom>
-          <a:noFill/>
-          <a:ln cap="flat" cmpd="sng" w="38100">
-            <a:solidFill>
-              <a:srgbClr val="FF0000"/>
-            </a:solidFill>
-            <a:prstDash val="solid"/>
-            <a:round/>
-            <a:headEnd len="med" w="med" type="none"/>
-            <a:tailEnd len="med" w="med" type="none"/>
-          </a:ln>
-          <a:effectLst>
-            <a:outerShdw blurRad="57150" rotWithShape="0" algn="bl" dir="5400000" dist="19050">
-              <a:srgbClr val="000000">
-                <a:alpha val="50000"/>
-              </a:srgbClr>
-            </a:outerShdw>
-          </a:effectLst>
-        </p:spPr>
-      </p:cxnSp>
-      <p:cxnSp>
-        <p:nvCxnSpPr>
-          <p:cNvPr id="101" name="Google Shape;101;p13"/>
-          <p:cNvCxnSpPr/>
-          <p:nvPr/>
-        </p:nvCxnSpPr>
-        <p:spPr>
-          <a:xfrm rot="10800000">
-            <a:off x="2412675" y="1253100"/>
-            <a:ext cx="37500" cy="1561800"/>
-          </a:xfrm>
-          <a:prstGeom prst="straightConnector1">
-            <a:avLst/>
-          </a:prstGeom>
-          <a:noFill/>
-          <a:ln cap="flat" cmpd="sng" w="38100">
-            <a:solidFill>
-              <a:schemeClr val="accent4"/>
-            </a:solidFill>
-            <a:prstDash val="solid"/>
-            <a:round/>
-            <a:headEnd len="med" w="med" type="none"/>
-            <a:tailEnd len="med" w="med" type="none"/>
-          </a:ln>
-          <a:effectLst>
-            <a:outerShdw blurRad="57150" rotWithShape="0" algn="bl" dir="5400000" dist="19050">
-              <a:srgbClr val="000000">
-                <a:alpha val="50000"/>
-              </a:srgbClr>
-            </a:outerShdw>
-          </a:effectLst>
-        </p:spPr>
-      </p:cxnSp>
-      <p:cxnSp>
-        <p:nvCxnSpPr>
-          <p:cNvPr id="102" name="Google Shape;102;p13"/>
-          <p:cNvCxnSpPr/>
-          <p:nvPr/>
-        </p:nvCxnSpPr>
-        <p:spPr>
-          <a:xfrm flipH="1">
-            <a:off x="5938625" y="776200"/>
-            <a:ext cx="2478000" cy="2469000"/>
-          </a:xfrm>
-          <a:prstGeom prst="straightConnector1">
-            <a:avLst/>
-          </a:prstGeom>
-          <a:noFill/>
-          <a:ln cap="flat" cmpd="sng" w="38100">
-            <a:solidFill>
-              <a:srgbClr val="2200FF"/>
-            </a:solidFill>
-            <a:prstDash val="solid"/>
-            <a:round/>
-            <a:headEnd len="med" w="med" type="none"/>
-            <a:tailEnd len="med" w="med" type="none"/>
-          </a:ln>
-        </p:spPr>
-      </p:cxnSp>
     </p:spTree>
   </p:cSld>
   <p:clrMapOvr>
@@ -7408,6 +7564,285 @@
 </file>
 
 <file path=ppt/theme/theme1.xml><?xml version="1.0" encoding="utf-8"?>
+<a:theme xmlns:a="http://schemas.openxmlformats.org/drawingml/2006/main" xmlns:r="http://schemas.openxmlformats.org/officeDocument/2006/relationships" name="Simple Light">
+  <a:themeElements>
+    <a:clrScheme name="Simple Light">
+      <a:dk1>
+        <a:srgbClr val="000000"/>
+      </a:dk1>
+      <a:lt1>
+        <a:srgbClr val="FFFFFF"/>
+      </a:lt1>
+      <a:dk2>
+        <a:srgbClr val="595959"/>
+      </a:dk2>
+      <a:lt2>
+        <a:srgbClr val="EEEEEE"/>
+      </a:lt2>
+      <a:accent1>
+        <a:srgbClr val="4285F4"/>
+      </a:accent1>
+      <a:accent2>
+        <a:srgbClr val="212121"/>
+      </a:accent2>
+      <a:accent3>
+        <a:srgbClr val="78909C"/>
+      </a:accent3>
+      <a:accent4>
+        <a:srgbClr val="FFAB40"/>
+      </a:accent4>
+      <a:accent5>
+        <a:srgbClr val="0097A7"/>
+      </a:accent5>
+      <a:accent6>
+        <a:srgbClr val="EEFF41"/>
+      </a:accent6>
+      <a:hlink>
+        <a:srgbClr val="0097A7"/>
+      </a:hlink>
+      <a:folHlink>
+        <a:srgbClr val="0097A7"/>
+      </a:folHlink>
+    </a:clrScheme>
+    <a:fontScheme name="Office">
+      <a:majorFont>
+        <a:latin typeface="Arial"/>
+        <a:ea typeface=""/>
+        <a:cs typeface=""/>
+        <a:font script="Jpan" typeface="ＭＳ Ｐゴシック"/>
+        <a:font script="Hang" typeface="맑은 고딕"/>
+        <a:font script="Hans" typeface="宋体"/>
+        <a:font script="Hant" typeface="新細明體"/>
+        <a:font script="Arab" typeface="Times New Roman"/>
+        <a:font script="Hebr" typeface="Times New Roman"/>
+        <a:font script="Thai" typeface="Angsana New"/>
+        <a:font script="Ethi" typeface="Nyala"/>
+        <a:font script="Beng" typeface="Vrinda"/>
+        <a:font script="Gujr" typeface="Shruti"/>
+        <a:font script="Khmr" typeface="MoolBoran"/>
+        <a:font script="Knda" typeface="Tunga"/>
+        <a:font script="Guru" typeface="Raavi"/>
+        <a:font script="Cans" typeface="Euphemia"/>
+        <a:font script="Cher" typeface="Plantagenet Cherokee"/>
+        <a:font script="Yiii" typeface="Microsoft Yi Baiti"/>
+        <a:font script="Tibt" typeface="Microsoft Himalaya"/>
+        <a:font script="Thaa" typeface="MV Boli"/>
+        <a:font script="Deva" typeface="Mangal"/>
+        <a:font script="Telu" typeface="Gautami"/>
+        <a:font script="Taml" typeface="Latha"/>
+        <a:font script="Syrc" typeface="Estrangelo Edessa"/>
+        <a:font script="Orya" typeface="Kalinga"/>
+        <a:font script="Mlym" typeface="Kartika"/>
+        <a:font script="Laoo" typeface="DokChampa"/>
+        <a:font script="Sinh" typeface="Iskoola Pota"/>
+        <a:font script="Mong" typeface="Mongolian Baiti"/>
+        <a:font script="Viet" typeface="Times New Roman"/>
+        <a:font script="Uigh" typeface="Microsoft Uighur"/>
+        <a:font script="Geor" typeface="Sylfaen"/>
+      </a:majorFont>
+      <a:minorFont>
+        <a:latin typeface="Arial"/>
+        <a:ea typeface=""/>
+        <a:cs typeface=""/>
+        <a:font script="Jpan" typeface="ＭＳ Ｐゴシック"/>
+        <a:font script="Hang" typeface="맑은 고딕"/>
+        <a:font script="Hans" typeface="宋体"/>
+        <a:font script="Hant" typeface="新細明體"/>
+        <a:font script="Arab" typeface="Arial"/>
+        <a:font script="Hebr" typeface="Arial"/>
+        <a:font script="Thai" typeface="Cordia New"/>
+        <a:font script="Ethi" typeface="Nyala"/>
+        <a:font script="Beng" typeface="Vrinda"/>
+        <a:font script="Gujr" typeface="Shruti"/>
+        <a:font script="Khmr" typeface="DaunPenh"/>
+        <a:font script="Knda" typeface="Tunga"/>
+        <a:font script="Guru" typeface="Raavi"/>
+        <a:font script="Cans" typeface="Euphemia"/>
+        <a:font script="Cher" typeface="Plantagenet Cherokee"/>
+        <a:font script="Yiii" typeface="Microsoft Yi Baiti"/>
+        <a:font script="Tibt" typeface="Microsoft Himalaya"/>
+        <a:font script="Thaa" typeface="MV Boli"/>
+        <a:font script="Deva" typeface="Mangal"/>
+        <a:font script="Telu" typeface="Gautami"/>
+        <a:font script="Taml" typeface="Latha"/>
+        <a:font script="Syrc" typeface="Estrangelo Edessa"/>
+        <a:font script="Orya" typeface="Kalinga"/>
+        <a:font script="Mlym" typeface="Kartika"/>
+        <a:font script="Laoo" typeface="DokChampa"/>
+        <a:font script="Sinh" typeface="Iskoola Pota"/>
+        <a:font script="Mong" typeface="Mongolian Baiti"/>
+        <a:font script="Viet" typeface="Arial"/>
+        <a:font script="Uigh" typeface="Microsoft Uighur"/>
+        <a:font script="Geor" typeface="Sylfaen"/>
+      </a:minorFont>
+    </a:fontScheme>
+    <a:fmtScheme name="Office">
+      <a:fillStyleLst>
+        <a:solidFill>
+          <a:schemeClr val="phClr"/>
+        </a:solidFill>
+        <a:gradFill rotWithShape="1">
+          <a:gsLst>
+            <a:gs pos="0">
+              <a:schemeClr val="phClr">
+                <a:tint val="50000"/>
+                <a:satMod val="300000"/>
+              </a:schemeClr>
+            </a:gs>
+            <a:gs pos="35000">
+              <a:schemeClr val="phClr">
+                <a:tint val="37000"/>
+                <a:satMod val="300000"/>
+              </a:schemeClr>
+            </a:gs>
+            <a:gs pos="100000">
+              <a:schemeClr val="phClr">
+                <a:tint val="15000"/>
+                <a:satMod val="350000"/>
+              </a:schemeClr>
+            </a:gs>
+          </a:gsLst>
+          <a:lin ang="16200000" scaled="1"/>
+        </a:gradFill>
+        <a:gradFill rotWithShape="1">
+          <a:gsLst>
+            <a:gs pos="0">
+              <a:schemeClr val="phClr">
+                <a:tint val="100000"/>
+                <a:shade val="100000"/>
+                <a:satMod val="130000"/>
+              </a:schemeClr>
+            </a:gs>
+            <a:gs pos="100000">
+              <a:schemeClr val="phClr">
+                <a:tint val="50000"/>
+                <a:shade val="100000"/>
+                <a:satMod val="350000"/>
+              </a:schemeClr>
+            </a:gs>
+          </a:gsLst>
+          <a:lin ang="16200000" scaled="0"/>
+        </a:gradFill>
+      </a:fillStyleLst>
+      <a:lnStyleLst>
+        <a:ln w="9525" cap="flat" cmpd="sng" algn="ctr">
+          <a:solidFill>
+            <a:schemeClr val="phClr">
+              <a:shade val="95000"/>
+              <a:satMod val="105000"/>
+            </a:schemeClr>
+          </a:solidFill>
+          <a:prstDash val="solid"/>
+        </a:ln>
+        <a:ln w="25400" cap="flat" cmpd="sng" algn="ctr">
+          <a:solidFill>
+            <a:schemeClr val="phClr"/>
+          </a:solidFill>
+          <a:prstDash val="solid"/>
+        </a:ln>
+        <a:ln w="38100" cap="flat" cmpd="sng" algn="ctr">
+          <a:solidFill>
+            <a:schemeClr val="phClr"/>
+          </a:solidFill>
+          <a:prstDash val="solid"/>
+        </a:ln>
+      </a:lnStyleLst>
+      <a:effectStyleLst>
+        <a:effectStyle>
+          <a:effectLst>
+            <a:outerShdw blurRad="40000" dist="20000" dir="5400000" rotWithShape="0">
+              <a:srgbClr val="000000">
+                <a:alpha val="38000"/>
+              </a:srgbClr>
+            </a:outerShdw>
+          </a:effectLst>
+        </a:effectStyle>
+        <a:effectStyle>
+          <a:effectLst>
+            <a:outerShdw blurRad="40000" dist="23000" dir="5400000" rotWithShape="0">
+              <a:srgbClr val="000000">
+                <a:alpha val="35000"/>
+              </a:srgbClr>
+            </a:outerShdw>
+          </a:effectLst>
+        </a:effectStyle>
+        <a:effectStyle>
+          <a:effectLst>
+            <a:outerShdw blurRad="40000" dist="23000" dir="5400000" rotWithShape="0">
+              <a:srgbClr val="000000">
+                <a:alpha val="35000"/>
+              </a:srgbClr>
+            </a:outerShdw>
+          </a:effectLst>
+          <a:scene3d>
+            <a:camera prst="orthographicFront">
+              <a:rot lat="0" lon="0" rev="0"/>
+            </a:camera>
+            <a:lightRig rig="threePt" dir="t">
+              <a:rot lat="0" lon="0" rev="1200000"/>
+            </a:lightRig>
+          </a:scene3d>
+          <a:sp3d>
+            <a:bevelT w="63500" h="25400"/>
+          </a:sp3d>
+        </a:effectStyle>
+      </a:effectStyleLst>
+      <a:bgFillStyleLst>
+        <a:solidFill>
+          <a:schemeClr val="phClr"/>
+        </a:solidFill>
+        <a:gradFill rotWithShape="1">
+          <a:gsLst>
+            <a:gs pos="0">
+              <a:schemeClr val="phClr">
+                <a:tint val="40000"/>
+                <a:satMod val="350000"/>
+              </a:schemeClr>
+            </a:gs>
+            <a:gs pos="40000">
+              <a:schemeClr val="phClr">
+                <a:tint val="45000"/>
+                <a:shade val="99000"/>
+                <a:satMod val="350000"/>
+              </a:schemeClr>
+            </a:gs>
+            <a:gs pos="100000">
+              <a:schemeClr val="phClr">
+                <a:shade val="20000"/>
+                <a:satMod val="255000"/>
+              </a:schemeClr>
+            </a:gs>
+          </a:gsLst>
+          <a:path path="circle">
+            <a:fillToRect l="50000" t="-80000" r="50000" b="180000"/>
+          </a:path>
+        </a:gradFill>
+        <a:gradFill rotWithShape="1">
+          <a:gsLst>
+            <a:gs pos="0">
+              <a:schemeClr val="phClr">
+                <a:tint val="80000"/>
+                <a:satMod val="300000"/>
+              </a:schemeClr>
+            </a:gs>
+            <a:gs pos="100000">
+              <a:schemeClr val="phClr">
+                <a:shade val="30000"/>
+                <a:satMod val="200000"/>
+              </a:schemeClr>
+            </a:gs>
+          </a:gsLst>
+          <a:path path="circle">
+            <a:fillToRect l="50000" t="50000" r="50000" b="50000"/>
+          </a:path>
+        </a:gradFill>
+      </a:bgFillStyleLst>
+    </a:fmtScheme>
+  </a:themeElements>
+</a:theme>
+</file>
+
+<file path=ppt/theme/theme2.xml><?xml version="1.0" encoding="utf-8"?>
 <a:theme xmlns:a="http://schemas.openxmlformats.org/drawingml/2006/main" xmlns:r="http://schemas.openxmlformats.org/officeDocument/2006/relationships">
   <a:themeElements>
     <a:clrScheme name="Default">
@@ -7684,283 +8119,4 @@
     </a:fmtScheme>
   </a:themeElements>
 </a:theme>
-</file>
-
-<file path=ppt/theme/theme2.xml><?xml version="1.0" encoding="utf-8"?>
-<a:theme xmlns:a="http://schemas.openxmlformats.org/drawingml/2006/main" xmlns:r="http://schemas.openxmlformats.org/officeDocument/2006/relationships" name="Simple Light">
-  <a:themeElements>
-    <a:clrScheme name="Simple Light">
-      <a:dk1>
-        <a:srgbClr val="000000"/>
-      </a:dk1>
-      <a:lt1>
-        <a:srgbClr val="FFFFFF"/>
-      </a:lt1>
-      <a:dk2>
-        <a:srgbClr val="595959"/>
-      </a:dk2>
-      <a:lt2>
-        <a:srgbClr val="EEEEEE"/>
-      </a:lt2>
-      <a:accent1>
-        <a:srgbClr val="4285F4"/>
-      </a:accent1>
-      <a:accent2>
-        <a:srgbClr val="212121"/>
-      </a:accent2>
-      <a:accent3>
-        <a:srgbClr val="78909C"/>
-      </a:accent3>
-      <a:accent4>
-        <a:srgbClr val="FFAB40"/>
-      </a:accent4>
-      <a:accent5>
-        <a:srgbClr val="0097A7"/>
-      </a:accent5>
-      <a:accent6>
-        <a:srgbClr val="EEFF41"/>
-      </a:accent6>
-      <a:hlink>
-        <a:srgbClr val="0097A7"/>
-      </a:hlink>
-      <a:folHlink>
-        <a:srgbClr val="0097A7"/>
-      </a:folHlink>
-    </a:clrScheme>
-    <a:fontScheme name="Office">
-      <a:majorFont>
-        <a:latin typeface="Arial"/>
-        <a:ea typeface=""/>
-        <a:cs typeface=""/>
-        <a:font script="Jpan" typeface="ＭＳ Ｐゴシック"/>
-        <a:font script="Hang" typeface="맑은 고딕"/>
-        <a:font script="Hans" typeface="宋体"/>
-        <a:font script="Hant" typeface="新細明體"/>
-        <a:font script="Arab" typeface="Times New Roman"/>
-        <a:font script="Hebr" typeface="Times New Roman"/>
-        <a:font script="Thai" typeface="Angsana New"/>
-        <a:font script="Ethi" typeface="Nyala"/>
-        <a:font script="Beng" typeface="Vrinda"/>
-        <a:font script="Gujr" typeface="Shruti"/>
-        <a:font script="Khmr" typeface="MoolBoran"/>
-        <a:font script="Knda" typeface="Tunga"/>
-        <a:font script="Guru" typeface="Raavi"/>
-        <a:font script="Cans" typeface="Euphemia"/>
-        <a:font script="Cher" typeface="Plantagenet Cherokee"/>
-        <a:font script="Yiii" typeface="Microsoft Yi Baiti"/>
-        <a:font script="Tibt" typeface="Microsoft Himalaya"/>
-        <a:font script="Thaa" typeface="MV Boli"/>
-        <a:font script="Deva" typeface="Mangal"/>
-        <a:font script="Telu" typeface="Gautami"/>
-        <a:font script="Taml" typeface="Latha"/>
-        <a:font script="Syrc" typeface="Estrangelo Edessa"/>
-        <a:font script="Orya" typeface="Kalinga"/>
-        <a:font script="Mlym" typeface="Kartika"/>
-        <a:font script="Laoo" typeface="DokChampa"/>
-        <a:font script="Sinh" typeface="Iskoola Pota"/>
-        <a:font script="Mong" typeface="Mongolian Baiti"/>
-        <a:font script="Viet" typeface="Times New Roman"/>
-        <a:font script="Uigh" typeface="Microsoft Uighur"/>
-        <a:font script="Geor" typeface="Sylfaen"/>
-      </a:majorFont>
-      <a:minorFont>
-        <a:latin typeface="Arial"/>
-        <a:ea typeface=""/>
-        <a:cs typeface=""/>
-        <a:font script="Jpan" typeface="ＭＳ Ｐゴシック"/>
-        <a:font script="Hang" typeface="맑은 고딕"/>
-        <a:font script="Hans" typeface="宋体"/>
-        <a:font script="Hant" typeface="新細明體"/>
-        <a:font script="Arab" typeface="Arial"/>
-        <a:font script="Hebr" typeface="Arial"/>
-        <a:font script="Thai" typeface="Cordia New"/>
-        <a:font script="Ethi" typeface="Nyala"/>
-        <a:font script="Beng" typeface="Vrinda"/>
-        <a:font script="Gujr" typeface="Shruti"/>
-        <a:font script="Khmr" typeface="DaunPenh"/>
-        <a:font script="Knda" typeface="Tunga"/>
-        <a:font script="Guru" typeface="Raavi"/>
-        <a:font script="Cans" typeface="Euphemia"/>
-        <a:font script="Cher" typeface="Plantagenet Cherokee"/>
-        <a:font script="Yiii" typeface="Microsoft Yi Baiti"/>
-        <a:font script="Tibt" typeface="Microsoft Himalaya"/>
-        <a:font script="Thaa" typeface="MV Boli"/>
-        <a:font script="Deva" typeface="Mangal"/>
-        <a:font script="Telu" typeface="Gautami"/>
-        <a:font script="Taml" typeface="Latha"/>
-        <a:font script="Syrc" typeface="Estrangelo Edessa"/>
-        <a:font script="Orya" typeface="Kalinga"/>
-        <a:font script="Mlym" typeface="Kartika"/>
-        <a:font script="Laoo" typeface="DokChampa"/>
-        <a:font script="Sinh" typeface="Iskoola Pota"/>
-        <a:font script="Mong" typeface="Mongolian Baiti"/>
-        <a:font script="Viet" typeface="Arial"/>
-        <a:font script="Uigh" typeface="Microsoft Uighur"/>
-        <a:font script="Geor" typeface="Sylfaen"/>
-      </a:minorFont>
-    </a:fontScheme>
-    <a:fmtScheme name="Office">
-      <a:fillStyleLst>
-        <a:solidFill>
-          <a:schemeClr val="phClr"/>
-        </a:solidFill>
-        <a:gradFill rotWithShape="1">
-          <a:gsLst>
-            <a:gs pos="0">
-              <a:schemeClr val="phClr">
-                <a:tint val="50000"/>
-                <a:satMod val="300000"/>
-              </a:schemeClr>
-            </a:gs>
-            <a:gs pos="35000">
-              <a:schemeClr val="phClr">
-                <a:tint val="37000"/>
-                <a:satMod val="300000"/>
-              </a:schemeClr>
-            </a:gs>
-            <a:gs pos="100000">
-              <a:schemeClr val="phClr">
-                <a:tint val="15000"/>
-                <a:satMod val="350000"/>
-              </a:schemeClr>
-            </a:gs>
-          </a:gsLst>
-          <a:lin ang="16200000" scaled="1"/>
-        </a:gradFill>
-        <a:gradFill rotWithShape="1">
-          <a:gsLst>
-            <a:gs pos="0">
-              <a:schemeClr val="phClr">
-                <a:tint val="100000"/>
-                <a:shade val="100000"/>
-                <a:satMod val="130000"/>
-              </a:schemeClr>
-            </a:gs>
-            <a:gs pos="100000">
-              <a:schemeClr val="phClr">
-                <a:tint val="50000"/>
-                <a:shade val="100000"/>
-                <a:satMod val="350000"/>
-              </a:schemeClr>
-            </a:gs>
-          </a:gsLst>
-          <a:lin ang="16200000" scaled="0"/>
-        </a:gradFill>
-      </a:fillStyleLst>
-      <a:lnStyleLst>
-        <a:ln w="9525" cap="flat" cmpd="sng" algn="ctr">
-          <a:solidFill>
-            <a:schemeClr val="phClr">
-              <a:shade val="95000"/>
-              <a:satMod val="105000"/>
-            </a:schemeClr>
-          </a:solidFill>
-          <a:prstDash val="solid"/>
-        </a:ln>
-        <a:ln w="25400" cap="flat" cmpd="sng" algn="ctr">
-          <a:solidFill>
-            <a:schemeClr val="phClr"/>
-          </a:solidFill>
-          <a:prstDash val="solid"/>
-        </a:ln>
-        <a:ln w="38100" cap="flat" cmpd="sng" algn="ctr">
-          <a:solidFill>
-            <a:schemeClr val="phClr"/>
-          </a:solidFill>
-          <a:prstDash val="solid"/>
-        </a:ln>
-      </a:lnStyleLst>
-      <a:effectStyleLst>
-        <a:effectStyle>
-          <a:effectLst>
-            <a:outerShdw blurRad="40000" dist="20000" dir="5400000" rotWithShape="0">
-              <a:srgbClr val="000000">
-                <a:alpha val="38000"/>
-              </a:srgbClr>
-            </a:outerShdw>
-          </a:effectLst>
-        </a:effectStyle>
-        <a:effectStyle>
-          <a:effectLst>
-            <a:outerShdw blurRad="40000" dist="23000" dir="5400000" rotWithShape="0">
-              <a:srgbClr val="000000">
-                <a:alpha val="35000"/>
-              </a:srgbClr>
-            </a:outerShdw>
-          </a:effectLst>
-        </a:effectStyle>
-        <a:effectStyle>
-          <a:effectLst>
-            <a:outerShdw blurRad="40000" dist="23000" dir="5400000" rotWithShape="0">
-              <a:srgbClr val="000000">
-                <a:alpha val="35000"/>
-              </a:srgbClr>
-            </a:outerShdw>
-          </a:effectLst>
-          <a:scene3d>
-            <a:camera prst="orthographicFront">
-              <a:rot lat="0" lon="0" rev="0"/>
-            </a:camera>
-            <a:lightRig rig="threePt" dir="t">
-              <a:rot lat="0" lon="0" rev="1200000"/>
-            </a:lightRig>
-          </a:scene3d>
-          <a:sp3d>
-            <a:bevelT w="63500" h="25400"/>
-          </a:sp3d>
-        </a:effectStyle>
-      </a:effectStyleLst>
-      <a:bgFillStyleLst>
-        <a:solidFill>
-          <a:schemeClr val="phClr"/>
-        </a:solidFill>
-        <a:gradFill rotWithShape="1">
-          <a:gsLst>
-            <a:gs pos="0">
-              <a:schemeClr val="phClr">
-                <a:tint val="40000"/>
-                <a:satMod val="350000"/>
-              </a:schemeClr>
-            </a:gs>
-            <a:gs pos="40000">
-              <a:schemeClr val="phClr">
-                <a:tint val="45000"/>
-                <a:shade val="99000"/>
-                <a:satMod val="350000"/>
-              </a:schemeClr>
-            </a:gs>
-            <a:gs pos="100000">
-              <a:schemeClr val="phClr">
-                <a:shade val="20000"/>
-                <a:satMod val="255000"/>
-              </a:schemeClr>
-            </a:gs>
-          </a:gsLst>
-          <a:path path="circle">
-            <a:fillToRect l="50000" t="-80000" r="50000" b="180000"/>
-          </a:path>
-        </a:gradFill>
-        <a:gradFill rotWithShape="1">
-          <a:gsLst>
-            <a:gs pos="0">
-              <a:schemeClr val="phClr">
-                <a:tint val="80000"/>
-                <a:satMod val="300000"/>
-              </a:schemeClr>
-            </a:gs>
-            <a:gs pos="100000">
-              <a:schemeClr val="phClr">
-                <a:shade val="30000"/>
-                <a:satMod val="200000"/>
-              </a:schemeClr>
-            </a:gs>
-          </a:gsLst>
-          <a:path path="circle">
-            <a:fillToRect l="50000" t="50000" r="50000" b="50000"/>
-          </a:path>
-        </a:gradFill>
-      </a:bgFillStyleLst>
-    </a:fmtScheme>
-  </a:themeElements>
-</a:theme>
 </file>
--- a/arduinoProject.pptx
+++ b/arduinoProject.pptx
@@ -5745,7 +5745,7 @@
             <a:tbl>
               <a:tblPr>
                 <a:noFill/>
-                <a:tableStyleId>{6AA598CF-89A3-48F4-A124-7F6B486C23A9}</a:tableStyleId>
+                <a:tableStyleId>{0054114B-D361-42AB-9043-A743FBA37C9A}</a:tableStyleId>
               </a:tblPr>
               <a:tblGrid>
                 <a:gridCol w="912100"/>
@@ -5820,7 +5820,7 @@
                             <a:schemeClr val="accent4"/>
                           </a:solidFill>
                         </a:rPr>
-                        <a:t>A0, A1</a:t>
+                        <a:t>X:A0, Y:A1</a:t>
                       </a:r>
                       <a:endParaRPr sz="1100">
                         <a:solidFill>
@@ -5876,7 +5876,7 @@
                             <a:srgbClr val="741B47"/>
                           </a:solidFill>
                         </a:rPr>
-                        <a:t>A2, A3</a:t>
+                        <a:t>X:A2, Y:A3</a:t>
                       </a:r>
                       <a:endParaRPr sz="1100">
                         <a:solidFill>
@@ -5932,7 +5932,7 @@
                             <a:srgbClr val="00FF00"/>
                           </a:solidFill>
                         </a:rPr>
-                        <a:t>D11</a:t>
+                        <a:t>A:D11</a:t>
                       </a:r>
                       <a:r>
                         <a:rPr lang="ko" sz="1100"/>
@@ -5944,7 +5944,7 @@
                             <a:srgbClr val="00FF00"/>
                           </a:solidFill>
                         </a:rPr>
-                        <a:t>D10</a:t>
+                        <a:t>B:D10</a:t>
                       </a:r>
                       <a:endParaRPr sz="1100">
                         <a:solidFill>
@@ -6568,7 +6568,7 @@
         <p:spPr>
           <a:xfrm>
             <a:off x="2491150" y="1247600"/>
-            <a:ext cx="5700" cy="2736300"/>
+            <a:ext cx="1626000" cy="2770800"/>
           </a:xfrm>
           <a:prstGeom prst="straightConnector1">
             <a:avLst/>
